--- a/3-fuzz-concolic/lec32-crown_tutorial-v3.pptx
+++ b/3-fuzz-concolic/lec32-crown_tutorial-v3.pptx
@@ -27,9 +27,9 @@
     <p:sldId id="343" r:id="rId18"/>
     <p:sldId id="342" r:id="rId19"/>
     <p:sldId id="341" r:id="rId20"/>
-    <p:sldId id="359" r:id="rId21"/>
-    <p:sldId id="335" r:id="rId22"/>
-    <p:sldId id="365" r:id="rId23"/>
+    <p:sldId id="335" r:id="rId21"/>
+    <p:sldId id="365" r:id="rId22"/>
+    <p:sldId id="366" r:id="rId23"/>
   </p:sldIdLst>
   <p:sldSz cx="9144000" cy="6858000" type="screen4x3"/>
   <p:notesSz cx="6797675" cy="9929813"/>
@@ -262,7 +262,7 @@
             <a:fld id="{117CEAFE-D269-4953-999B-7CBC85D871CD}" type="datetimeFigureOut">
               <a:rPr lang="ko-KR" altLang="en-US" smtClean="0"/>
               <a:pPr/>
-              <a:t>2022-11-24</a:t>
+              <a:t>2023-05-31</a:t>
             </a:fld>
             <a:endParaRPr lang="ko-KR" altLang="en-US"/>
           </a:p>
@@ -1146,91 +1146,6 @@
       </p:grpSpPr>
       <p:sp>
         <p:nvSpPr>
-          <p:cNvPr id="2" name="슬라이드 이미지 개체 틀 1"/>
-          <p:cNvSpPr>
-            <a:spLocks noGrp="1" noRot="1" noChangeAspect="1"/>
-          </p:cNvSpPr>
-          <p:nvPr>
-            <p:ph type="sldImg"/>
-          </p:nvPr>
-        </p:nvSpPr>
-        <p:spPr/>
-      </p:sp>
-      <p:sp>
-        <p:nvSpPr>
-          <p:cNvPr id="3" name="슬라이드 노트 개체 틀 2"/>
-          <p:cNvSpPr>
-            <a:spLocks noGrp="1"/>
-          </p:cNvSpPr>
-          <p:nvPr>
-            <p:ph type="body" idx="1"/>
-          </p:nvPr>
-        </p:nvSpPr>
-        <p:spPr/>
-        <p:txBody>
-          <a:bodyPr/>
-          <a:lstStyle/>
-          <a:p>
-            <a:endParaRPr lang="ko-KR" altLang="en-US"/>
-          </a:p>
-        </p:txBody>
-      </p:sp>
-      <p:sp>
-        <p:nvSpPr>
-          <p:cNvPr id="4" name="슬라이드 번호 개체 틀 3"/>
-          <p:cNvSpPr>
-            <a:spLocks noGrp="1"/>
-          </p:cNvSpPr>
-          <p:nvPr>
-            <p:ph type="sldNum" sz="quarter" idx="10"/>
-          </p:nvPr>
-        </p:nvSpPr>
-        <p:spPr/>
-        <p:txBody>
-          <a:bodyPr/>
-          <a:lstStyle/>
-          <a:p>
-            <a:fld id="{C1EC2DCC-8750-4A47-8AEC-5DB665F4C303}" type="slidenum">
-              <a:rPr lang="ko-KR" altLang="en-US" smtClean="0"/>
-              <a:pPr/>
-              <a:t>18</a:t>
-            </a:fld>
-            <a:endParaRPr lang="ko-KR" altLang="en-US"/>
-          </a:p>
-        </p:txBody>
-      </p:sp>
-    </p:spTree>
-    <p:extLst>
-      <p:ext uri="{BB962C8B-B14F-4D97-AF65-F5344CB8AC3E}">
-        <p14:creationId xmlns:p14="http://schemas.microsoft.com/office/powerpoint/2010/main" val="808512326"/>
-      </p:ext>
-    </p:extLst>
-  </p:cSld>
-  <p:clrMapOvr>
-    <a:masterClrMapping/>
-  </p:clrMapOvr>
-</p:notes>
-</file>
-
-<file path=ppt/notesSlides/notesSlide17.xml><?xml version="1.0" encoding="utf-8"?>
-<p:notes xmlns:a="http://schemas.openxmlformats.org/drawingml/2006/main" xmlns:r="http://schemas.openxmlformats.org/officeDocument/2006/relationships" xmlns:p="http://schemas.openxmlformats.org/presentationml/2006/main">
-  <p:cSld>
-    <p:spTree>
-      <p:nvGrpSpPr>
-        <p:cNvPr id="1" name=""/>
-        <p:cNvGrpSpPr/>
-        <p:nvPr/>
-      </p:nvGrpSpPr>
-      <p:grpSpPr>
-        <a:xfrm>
-          <a:off x="0" y="0"/>
-          <a:ext cx="0" cy="0"/>
-          <a:chOff x="0" y="0"/>
-          <a:chExt cx="0" cy="0"/>
-        </a:xfrm>
-      </p:grpSpPr>
-      <p:sp>
-        <p:nvSpPr>
           <p:cNvPr id="45058" name="슬라이드 이미지 개체 틀 1"/>
           <p:cNvSpPr>
             <a:spLocks noGrp="1" noRot="1" noChangeAspect="1" noTextEdit="1"/>
@@ -1326,7 +1241,7 @@
                 </a:spcAft>
                 <a:defRPr/>
               </a:pPr>
-              <a:t>19</a:t>
+              <a:t>18</a:t>
             </a:fld>
             <a:endParaRPr lang="ko-KR" altLang="en-US"/>
           </a:p>
@@ -1336,6 +1251,91 @@
     <p:extLst>
       <p:ext uri="{BB962C8B-B14F-4D97-AF65-F5344CB8AC3E}">
         <p14:creationId xmlns:p14="http://schemas.microsoft.com/office/powerpoint/2010/main" val="4228703814"/>
+      </p:ext>
+    </p:extLst>
+  </p:cSld>
+  <p:clrMapOvr>
+    <a:masterClrMapping/>
+  </p:clrMapOvr>
+</p:notes>
+</file>
+
+<file path=ppt/notesSlides/notesSlide17.xml><?xml version="1.0" encoding="utf-8"?>
+<p:notes xmlns:a="http://schemas.openxmlformats.org/drawingml/2006/main" xmlns:r="http://schemas.openxmlformats.org/officeDocument/2006/relationships" xmlns:p="http://schemas.openxmlformats.org/presentationml/2006/main">
+  <p:cSld>
+    <p:spTree>
+      <p:nvGrpSpPr>
+        <p:cNvPr id="1" name=""/>
+        <p:cNvGrpSpPr/>
+        <p:nvPr/>
+      </p:nvGrpSpPr>
+      <p:grpSpPr>
+        <a:xfrm>
+          <a:off x="0" y="0"/>
+          <a:ext cx="0" cy="0"/>
+          <a:chOff x="0" y="0"/>
+          <a:chExt cx="0" cy="0"/>
+        </a:xfrm>
+      </p:grpSpPr>
+      <p:sp>
+        <p:nvSpPr>
+          <p:cNvPr id="2" name="슬라이드 이미지 개체 틀 1"/>
+          <p:cNvSpPr>
+            <a:spLocks noGrp="1" noRot="1" noChangeAspect="1"/>
+          </p:cNvSpPr>
+          <p:nvPr>
+            <p:ph type="sldImg"/>
+          </p:nvPr>
+        </p:nvSpPr>
+        <p:spPr/>
+      </p:sp>
+      <p:sp>
+        <p:nvSpPr>
+          <p:cNvPr id="3" name="슬라이드 노트 개체 틀 2"/>
+          <p:cNvSpPr>
+            <a:spLocks noGrp="1"/>
+          </p:cNvSpPr>
+          <p:nvPr>
+            <p:ph type="body" idx="1"/>
+          </p:nvPr>
+        </p:nvSpPr>
+        <p:spPr/>
+        <p:txBody>
+          <a:bodyPr/>
+          <a:lstStyle/>
+          <a:p>
+            <a:endParaRPr lang="ko-KR" altLang="en-US" dirty="0"/>
+          </a:p>
+        </p:txBody>
+      </p:sp>
+      <p:sp>
+        <p:nvSpPr>
+          <p:cNvPr id="4" name="슬라이드 번호 개체 틀 3"/>
+          <p:cNvSpPr>
+            <a:spLocks noGrp="1"/>
+          </p:cNvSpPr>
+          <p:nvPr>
+            <p:ph type="sldNum" sz="quarter" idx="10"/>
+          </p:nvPr>
+        </p:nvSpPr>
+        <p:spPr/>
+        <p:txBody>
+          <a:bodyPr/>
+          <a:lstStyle/>
+          <a:p>
+            <a:fld id="{C1EC2DCC-8750-4A47-8AEC-5DB665F4C303}" type="slidenum">
+              <a:rPr lang="ko-KR" altLang="en-US" smtClean="0"/>
+              <a:pPr/>
+              <a:t>19</a:t>
+            </a:fld>
+            <a:endParaRPr lang="ko-KR" altLang="en-US"/>
+          </a:p>
+        </p:txBody>
+      </p:sp>
+    </p:spTree>
+    <p:extLst>
+      <p:ext uri="{BB962C8B-B14F-4D97-AF65-F5344CB8AC3E}">
+        <p14:creationId xmlns:p14="http://schemas.microsoft.com/office/powerpoint/2010/main" val="3431885845"/>
       </p:ext>
     </p:extLst>
   </p:cSld>
@@ -1420,7 +1420,7 @@
     </p:spTree>
     <p:extLst>
       <p:ext uri="{BB962C8B-B14F-4D97-AF65-F5344CB8AC3E}">
-        <p14:creationId xmlns:p14="http://schemas.microsoft.com/office/powerpoint/2010/main" val="3431885845"/>
+        <p14:creationId xmlns:p14="http://schemas.microsoft.com/office/powerpoint/2010/main" val="2460221642"/>
       </p:ext>
     </p:extLst>
   </p:cSld>
@@ -3248,7 +3248,7 @@
               <a:pPr>
                 <a:defRPr/>
               </a:pPr>
-              <a:t>15:03:16</a:t>
+              <a:t>01:50:31</a:t>
             </a:fld>
             <a:endParaRPr lang="ko-KR" altLang="en-US" dirty="0"/>
           </a:p>
@@ -19995,582 +19995,6 @@
       </p:grpSpPr>
       <p:sp>
         <p:nvSpPr>
-          <p:cNvPr id="3" name="날짜 개체 틀 2"/>
-          <p:cNvSpPr>
-            <a:spLocks noGrp="1"/>
-          </p:cNvSpPr>
-          <p:nvPr>
-            <p:ph type="dt" sz="half" idx="10"/>
-          </p:nvPr>
-        </p:nvSpPr>
-        <p:spPr/>
-        <p:txBody>
-          <a:bodyPr/>
-          <a:lstStyle/>
-          <a:p>
-            <a:r>
-              <a:rPr lang="en-US" altLang="ko-KR" dirty="0" err="1"/>
-              <a:t>Moonzoo</a:t>
-            </a:r>
-            <a:r>
-              <a:rPr lang="en-US" altLang="ko-KR" dirty="0"/>
-              <a:t> Kim SWTV Group</a:t>
-            </a:r>
-          </a:p>
-        </p:txBody>
-      </p:sp>
-      <p:sp>
-        <p:nvSpPr>
-          <p:cNvPr id="5" name="내용 개체 틀 4"/>
-          <p:cNvSpPr>
-            <a:spLocks noGrp="1"/>
-          </p:cNvSpPr>
-          <p:nvPr>
-            <p:ph sz="quarter" idx="13"/>
-          </p:nvPr>
-        </p:nvSpPr>
-        <p:spPr>
-          <a:xfrm>
-            <a:off x="285720" y="1214470"/>
-            <a:ext cx="8429655" cy="5143488"/>
-          </a:xfrm>
-        </p:spPr>
-        <p:txBody>
-          <a:bodyPr>
-            <a:noAutofit/>
-          </a:bodyPr>
-          <a:lstStyle/>
-          <a:p>
-            <a:pPr>
-              <a:buNone/>
-            </a:pPr>
-            <a:r>
-              <a:rPr lang="en-US" sz="1600" dirty="0"/>
-              <a:t>#line 10  </a:t>
-            </a:r>
-          </a:p>
-          <a:p>
-            <a:pPr>
-              <a:buNone/>
-            </a:pPr>
-            <a:r>
-              <a:rPr lang="en-US" sz="1600" dirty="0"/>
-              <a:t> { </a:t>
-            </a:r>
-            <a:r>
-              <a:rPr lang="en-US" sz="1600" dirty="0">
-                <a:solidFill>
-                  <a:srgbClr val="FF0000"/>
-                </a:solidFill>
-              </a:rPr>
-              <a:t>/* Creates symbolic expression a==b */</a:t>
-            </a:r>
-          </a:p>
-          <a:p>
-            <a:pPr>
-              <a:buNone/>
-            </a:pPr>
-            <a:r>
-              <a:rPr lang="en-US" sz="1600" dirty="0"/>
-              <a:t>  __</a:t>
-            </a:r>
-            <a:r>
-              <a:rPr lang="en-US" sz="1600" dirty="0" err="1"/>
-              <a:t>CrownLoad</a:t>
-            </a:r>
-            <a:r>
-              <a:rPr lang="en-US" sz="1600" dirty="0"/>
-              <a:t>(36, (unsigned long )(&amp; a), (long </a:t>
-            </a:r>
-            <a:r>
-              <a:rPr lang="en-US" sz="1600" dirty="0" err="1"/>
-              <a:t>long</a:t>
-            </a:r>
-            <a:r>
-              <a:rPr lang="en-US" sz="1600" dirty="0"/>
-              <a:t> )</a:t>
-            </a:r>
-            <a:r>
-              <a:rPr lang="en-US" sz="1600" b="1" dirty="0">
-                <a:solidFill>
-                  <a:srgbClr val="FF0000"/>
-                </a:solidFill>
-              </a:rPr>
-              <a:t>a</a:t>
-            </a:r>
-            <a:r>
-              <a:rPr lang="en-US" sz="1600" dirty="0"/>
-              <a:t>);</a:t>
-            </a:r>
-          </a:p>
-          <a:p>
-            <a:pPr>
-              <a:buNone/>
-            </a:pPr>
-            <a:r>
-              <a:rPr lang="en-US" sz="1600" dirty="0"/>
-              <a:t>  __</a:t>
-            </a:r>
-            <a:r>
-              <a:rPr lang="en-US" sz="1600" dirty="0" err="1"/>
-              <a:t>CrownLoad</a:t>
-            </a:r>
-            <a:r>
-              <a:rPr lang="en-US" sz="1600" dirty="0"/>
-              <a:t>(35, (unsigned long )(&amp; b), (long </a:t>
-            </a:r>
-            <a:r>
-              <a:rPr lang="en-US" sz="1600" dirty="0" err="1"/>
-              <a:t>long</a:t>
-            </a:r>
-            <a:r>
-              <a:rPr lang="en-US" sz="1600" dirty="0"/>
-              <a:t> )</a:t>
-            </a:r>
-            <a:r>
-              <a:rPr lang="en-US" sz="1600" b="1" dirty="0">
-                <a:solidFill>
-                  <a:srgbClr val="FF0000"/>
-                </a:solidFill>
-              </a:rPr>
-              <a:t>b</a:t>
-            </a:r>
-            <a:r>
-              <a:rPr lang="en-US" sz="1600" dirty="0"/>
-              <a:t>);</a:t>
-            </a:r>
-          </a:p>
-          <a:p>
-            <a:pPr>
-              <a:buNone/>
-            </a:pPr>
-            <a:r>
-              <a:rPr lang="en-US" sz="1600" dirty="0"/>
-              <a:t>  __CrownApply2(34, 12, (long </a:t>
-            </a:r>
-            <a:r>
-              <a:rPr lang="en-US" sz="1600" dirty="0" err="1"/>
-              <a:t>long</a:t>
-            </a:r>
-            <a:r>
-              <a:rPr lang="en-US" sz="1600" dirty="0"/>
-              <a:t> )(</a:t>
-            </a:r>
-            <a:r>
-              <a:rPr lang="en-US" sz="1600" b="1" dirty="0">
-                <a:solidFill>
-                  <a:srgbClr val="FF0000"/>
-                </a:solidFill>
-              </a:rPr>
-              <a:t>a == b</a:t>
-            </a:r>
-            <a:r>
-              <a:rPr lang="en-US" sz="1600" dirty="0"/>
-              <a:t>));</a:t>
-            </a:r>
-          </a:p>
-          <a:p>
-            <a:pPr>
-              <a:buNone/>
-            </a:pPr>
-            <a:r>
-              <a:rPr lang="en-US" sz="1600" dirty="0"/>
-              <a:t>  if (a == b) {</a:t>
-            </a:r>
-          </a:p>
-          <a:p>
-            <a:pPr>
-              <a:buNone/>
-            </a:pPr>
-            <a:endParaRPr lang="en-US" sz="1600" dirty="0"/>
-          </a:p>
-          <a:p>
-            <a:pPr>
-              <a:buNone/>
-            </a:pPr>
-            <a:r>
-              <a:rPr lang="en-US" sz="1600" dirty="0"/>
-              <a:t>    __</a:t>
-            </a:r>
-            <a:r>
-              <a:rPr lang="en-US" sz="1600" dirty="0" err="1"/>
-              <a:t>Crown</a:t>
-            </a:r>
-            <a:r>
-              <a:rPr lang="en-US" sz="1600" dirty="0" err="1">
-                <a:solidFill>
-                  <a:srgbClr val="FF0000"/>
-                </a:solidFill>
-              </a:rPr>
-              <a:t>Branch</a:t>
-            </a:r>
-            <a:r>
-              <a:rPr lang="en-US" sz="1600" dirty="0">
-                <a:solidFill>
-                  <a:srgbClr val="FF0000"/>
-                </a:solidFill>
-              </a:rPr>
-              <a:t>(</a:t>
-            </a:r>
-            <a:r>
-              <a:rPr lang="en-US" sz="1600" dirty="0"/>
-              <a:t>37, </a:t>
-            </a:r>
-            <a:r>
-              <a:rPr lang="en-US" sz="1600" dirty="0">
-                <a:solidFill>
-                  <a:srgbClr val="FF0000"/>
-                </a:solidFill>
-              </a:rPr>
-              <a:t>11</a:t>
-            </a:r>
-            <a:r>
-              <a:rPr lang="en-US" sz="1600" dirty="0"/>
-              <a:t>, 1); </a:t>
-            </a:r>
-            <a:r>
-              <a:rPr lang="en-US" sz="1600" dirty="0">
-                <a:solidFill>
-                  <a:srgbClr val="FF0000"/>
-                </a:solidFill>
-              </a:rPr>
-              <a:t>//extern void __</a:t>
-            </a:r>
-            <a:r>
-              <a:rPr lang="en-US" sz="1600" dirty="0" err="1">
-                <a:solidFill>
-                  <a:srgbClr val="FF0000"/>
-                </a:solidFill>
-              </a:rPr>
-              <a:t>CrownBranch</a:t>
-            </a:r>
-            <a:r>
-              <a:rPr lang="en-US" sz="1600" dirty="0">
-                <a:solidFill>
-                  <a:srgbClr val="FF0000"/>
-                </a:solidFill>
-              </a:rPr>
-              <a:t>(</a:t>
-            </a:r>
-            <a:r>
-              <a:rPr lang="en-US" sz="1600" dirty="0" err="1">
-                <a:solidFill>
-                  <a:srgbClr val="FF0000"/>
-                </a:solidFill>
-              </a:rPr>
-              <a:t>int</a:t>
-            </a:r>
-            <a:r>
-              <a:rPr lang="en-US" sz="1600" dirty="0">
-                <a:solidFill>
-                  <a:srgbClr val="FF0000"/>
-                </a:solidFill>
-              </a:rPr>
-              <a:t> id , </a:t>
-            </a:r>
-            <a:r>
-              <a:rPr lang="en-US" sz="1600" dirty="0" err="1">
-                <a:solidFill>
-                  <a:srgbClr val="FF0000"/>
-                </a:solidFill>
-              </a:rPr>
-              <a:t>int</a:t>
-            </a:r>
-            <a:r>
-              <a:rPr lang="en-US" sz="1600" dirty="0">
-                <a:solidFill>
-                  <a:srgbClr val="FF0000"/>
-                </a:solidFill>
-              </a:rPr>
-              <a:t> bid , unsigned char b )  </a:t>
-            </a:r>
-          </a:p>
-          <a:p>
-            <a:pPr>
-              <a:buNone/>
-            </a:pPr>
-            <a:r>
-              <a:rPr lang="en-US" sz="1600" dirty="0"/>
-              <a:t>    __</a:t>
-            </a:r>
-            <a:r>
-              <a:rPr lang="en-US" sz="1600" dirty="0" err="1"/>
-              <a:t>CrownLoad</a:t>
-            </a:r>
-            <a:r>
-              <a:rPr lang="en-US" sz="1600" dirty="0"/>
-              <a:t>(41, (unsigned long )(&amp; match), (long </a:t>
-            </a:r>
-            <a:r>
-              <a:rPr lang="en-US" sz="1600" dirty="0" err="1"/>
-              <a:t>long</a:t>
-            </a:r>
-            <a:r>
-              <a:rPr lang="en-US" sz="1600" dirty="0"/>
-              <a:t> )match);</a:t>
-            </a:r>
-          </a:p>
-          <a:p>
-            <a:pPr>
-              <a:buNone/>
-            </a:pPr>
-            <a:r>
-              <a:rPr lang="en-US" sz="1600" dirty="0"/>
-              <a:t>    __</a:t>
-            </a:r>
-            <a:r>
-              <a:rPr lang="en-US" sz="1600" dirty="0" err="1"/>
-              <a:t>CrownLoad</a:t>
-            </a:r>
-            <a:r>
-              <a:rPr lang="en-US" sz="1600" dirty="0"/>
-              <a:t>(40, (unsigned long )0, (long </a:t>
-            </a:r>
-            <a:r>
-              <a:rPr lang="en-US" sz="1600" dirty="0" err="1"/>
-              <a:t>long</a:t>
-            </a:r>
-            <a:r>
-              <a:rPr lang="en-US" sz="1600" dirty="0"/>
-              <a:t> )1);</a:t>
-            </a:r>
-          </a:p>
-          <a:p>
-            <a:pPr>
-              <a:buNone/>
-            </a:pPr>
-            <a:r>
-              <a:rPr lang="en-US" sz="1600" dirty="0"/>
-              <a:t>    __CrownApply2(39, 0, (long </a:t>
-            </a:r>
-            <a:r>
-              <a:rPr lang="en-US" sz="1600" dirty="0" err="1"/>
-              <a:t>long</a:t>
-            </a:r>
-            <a:r>
-              <a:rPr lang="en-US" sz="1600" dirty="0"/>
-              <a:t> )(match + 1));</a:t>
-            </a:r>
-          </a:p>
-          <a:p>
-            <a:pPr>
-              <a:buNone/>
-            </a:pPr>
-            <a:r>
-              <a:rPr lang="en-US" sz="1600" dirty="0"/>
-              <a:t>    __</a:t>
-            </a:r>
-            <a:r>
-              <a:rPr lang="en-US" sz="1600" dirty="0" err="1"/>
-              <a:t>CrownStore</a:t>
-            </a:r>
-            <a:r>
-              <a:rPr lang="en-US" sz="1600" dirty="0"/>
-              <a:t>(42, (unsigned long )(&amp; match));</a:t>
-            </a:r>
-          </a:p>
-          <a:p>
-            <a:pPr>
-              <a:buNone/>
-            </a:pPr>
-            <a:r>
-              <a:rPr lang="en-US" sz="1600" dirty="0"/>
-              <a:t>     match ++;</a:t>
-            </a:r>
-          </a:p>
-          <a:p>
-            <a:pPr>
-              <a:buNone/>
-            </a:pPr>
-            <a:endParaRPr lang="en-US" sz="1600" dirty="0"/>
-          </a:p>
-          <a:p>
-            <a:pPr>
-              <a:buNone/>
-            </a:pPr>
-            <a:r>
-              <a:rPr lang="en-US" sz="1600" dirty="0"/>
-              <a:t>  } else {</a:t>
-            </a:r>
-          </a:p>
-          <a:p>
-            <a:pPr>
-              <a:buNone/>
-            </a:pPr>
-            <a:r>
-              <a:rPr lang="en-US" sz="1600" dirty="0"/>
-              <a:t>    __</a:t>
-            </a:r>
-            <a:r>
-              <a:rPr lang="en-US" sz="1600" dirty="0" err="1"/>
-              <a:t>Crown</a:t>
-            </a:r>
-            <a:r>
-              <a:rPr lang="en-US" sz="1600" dirty="0" err="1">
-                <a:solidFill>
-                  <a:srgbClr val="FF0000"/>
-                </a:solidFill>
-              </a:rPr>
-              <a:t>Branch</a:t>
-            </a:r>
-            <a:r>
-              <a:rPr lang="en-US" sz="1600" dirty="0">
-                <a:solidFill>
-                  <a:srgbClr val="FF0000"/>
-                </a:solidFill>
-              </a:rPr>
-              <a:t>(</a:t>
-            </a:r>
-            <a:r>
-              <a:rPr lang="en-US" sz="1600" dirty="0"/>
-              <a:t>38, </a:t>
-            </a:r>
-            <a:r>
-              <a:rPr lang="en-US" sz="1600" dirty="0">
-                <a:solidFill>
-                  <a:srgbClr val="FF0000"/>
-                </a:solidFill>
-              </a:rPr>
-              <a:t>12</a:t>
-            </a:r>
-            <a:r>
-              <a:rPr lang="en-US" sz="1600" dirty="0"/>
-              <a:t>, 0);</a:t>
-            </a:r>
-          </a:p>
-          <a:p>
-            <a:pPr>
-              <a:buNone/>
-            </a:pPr>
-            <a:r>
-              <a:rPr lang="en-US" sz="1600" dirty="0"/>
-              <a:t>  }  }</a:t>
-            </a:r>
-          </a:p>
-        </p:txBody>
-      </p:sp>
-      <p:sp>
-        <p:nvSpPr>
-          <p:cNvPr id="7" name="제목 1"/>
-          <p:cNvSpPr>
-            <a:spLocks noGrp="1"/>
-          </p:cNvSpPr>
-          <p:nvPr>
-            <p:ph type="title"/>
-          </p:nvPr>
-        </p:nvSpPr>
-        <p:spPr>
-          <a:xfrm>
-            <a:off x="0" y="142852"/>
-            <a:ext cx="9144000" cy="857256"/>
-          </a:xfrm>
-        </p:spPr>
-        <p:txBody>
-          <a:bodyPr/>
-          <a:lstStyle/>
-          <a:p>
-            <a:r>
-              <a:rPr lang="en-US" dirty="0"/>
-              <a:t>Instrumented C Code</a:t>
-            </a:r>
-          </a:p>
-        </p:txBody>
-      </p:sp>
-      <p:sp>
-        <p:nvSpPr>
-          <p:cNvPr id="2" name="TextBox 1"/>
-          <p:cNvSpPr txBox="1"/>
-          <p:nvPr/>
-        </p:nvSpPr>
-        <p:spPr>
-          <a:xfrm>
-            <a:off x="3108079" y="4759984"/>
-            <a:ext cx="5918672" cy="923330"/>
-          </a:xfrm>
-          <a:prstGeom prst="rect">
-            <a:avLst/>
-          </a:prstGeom>
-          <a:noFill/>
-          <a:ln>
-            <a:solidFill>
-              <a:srgbClr val="0070C0"/>
-            </a:solidFill>
-          </a:ln>
-        </p:spPr>
-        <p:txBody>
-          <a:bodyPr wrap="none" rtlCol="0">
-            <a:spAutoFit/>
-          </a:bodyPr>
-          <a:lstStyle/>
-          <a:p>
-            <a:r>
-              <a:rPr lang="en-US" altLang="ko-KR" dirty="0"/>
-              <a:t>Control dependency </a:t>
-            </a:r>
-            <a:r>
-              <a:rPr lang="en-US" altLang="ko-KR" dirty="0" err="1"/>
-              <a:t>v.s</a:t>
-            </a:r>
-            <a:r>
-              <a:rPr lang="en-US" altLang="ko-KR" dirty="0"/>
-              <a:t>. Data dependency </a:t>
-            </a:r>
-          </a:p>
-          <a:p>
-            <a:pPr marL="285750" indent="-285750">
-              <a:buFontTx/>
-              <a:buChar char="-"/>
-            </a:pPr>
-            <a:r>
-              <a:rPr lang="en-US" altLang="ko-KR" dirty="0"/>
-              <a:t>match has control dependency on a and b</a:t>
-            </a:r>
-          </a:p>
-          <a:p>
-            <a:pPr marL="285750" indent="-285750">
-              <a:buFontTx/>
-              <a:buChar char="-"/>
-            </a:pPr>
-            <a:r>
-              <a:rPr lang="en-US" altLang="ko-KR" dirty="0"/>
-              <a:t>match does not have data dependency on a and b</a:t>
-            </a:r>
-            <a:endParaRPr lang="ko-KR" altLang="en-US" dirty="0"/>
-          </a:p>
-        </p:txBody>
-      </p:sp>
-    </p:spTree>
-    <p:extLst>
-      <p:ext uri="{BB962C8B-B14F-4D97-AF65-F5344CB8AC3E}">
-        <p14:creationId xmlns:p14="http://schemas.microsoft.com/office/powerpoint/2010/main" val="495336522"/>
-      </p:ext>
-    </p:extLst>
-  </p:cSld>
-  <p:clrMapOvr>
-    <a:masterClrMapping/>
-  </p:clrMapOvr>
-</p:sld>
-</file>
-
-<file path=ppt/slides/slide19.xml><?xml version="1.0" encoding="utf-8"?>
-<p:sld xmlns:a="http://schemas.openxmlformats.org/drawingml/2006/main" xmlns:r="http://schemas.openxmlformats.org/officeDocument/2006/relationships" xmlns:p="http://schemas.openxmlformats.org/presentationml/2006/main">
-  <p:cSld>
-    <p:spTree>
-      <p:nvGrpSpPr>
-        <p:cNvPr id="1" name=""/>
-        <p:cNvGrpSpPr/>
-        <p:nvPr/>
-      </p:nvGrpSpPr>
-      <p:grpSpPr>
-        <a:xfrm>
-          <a:off x="0" y="0"/>
-          <a:ext cx="0" cy="0"/>
-          <a:chOff x="0" y="0"/>
-          <a:chExt cx="0" cy="0"/>
-        </a:xfrm>
-      </p:grpSpPr>
-      <p:sp>
-        <p:nvSpPr>
           <p:cNvPr id="16386" name="제목 1"/>
           <p:cNvSpPr>
             <a:spLocks noGrp="1"/>
@@ -20622,7 +20046,7 @@
               <a:pPr>
                 <a:defRPr/>
               </a:pPr>
-              <a:t>19</a:t>
+              <a:t>18</a:t>
             </a:fld>
             <a:r>
               <a:rPr lang="en-US" altLang="ko-KR" dirty="0"/>
@@ -21589,6 +21013,1586 @@
         </p:txBody>
       </p:sp>
     </p:spTree>
+  </p:cSld>
+  <p:clrMapOvr>
+    <a:masterClrMapping/>
+  </p:clrMapOvr>
+</p:sld>
+</file>
+
+<file path=ppt/slides/slide19.xml><?xml version="1.0" encoding="utf-8"?>
+<p:sld xmlns:a="http://schemas.openxmlformats.org/drawingml/2006/main" xmlns:r="http://schemas.openxmlformats.org/officeDocument/2006/relationships" xmlns:p="http://schemas.openxmlformats.org/presentationml/2006/main">
+  <p:cSld>
+    <p:spTree>
+      <p:nvGrpSpPr>
+        <p:cNvPr id="1" name=""/>
+        <p:cNvGrpSpPr/>
+        <p:nvPr/>
+      </p:nvGrpSpPr>
+      <p:grpSpPr>
+        <a:xfrm>
+          <a:off x="0" y="0"/>
+          <a:ext cx="0" cy="0"/>
+          <a:chOff x="0" y="0"/>
+          <a:chExt cx="0" cy="0"/>
+        </a:xfrm>
+      </p:grpSpPr>
+      <p:sp>
+        <p:nvSpPr>
+          <p:cNvPr id="2" name="제목 1"/>
+          <p:cNvSpPr>
+            <a:spLocks noGrp="1"/>
+          </p:cNvSpPr>
+          <p:nvPr>
+            <p:ph type="title"/>
+          </p:nvPr>
+        </p:nvSpPr>
+        <p:spPr>
+          <a:xfrm>
+            <a:off x="-180528" y="-164560"/>
+            <a:ext cx="9433048" cy="857256"/>
+          </a:xfrm>
+        </p:spPr>
+        <p:txBody>
+          <a:bodyPr>
+            <a:noAutofit/>
+          </a:bodyPr>
+          <a:lstStyle/>
+          <a:p>
+            <a:r>
+              <a:rPr lang="en-US" sz="3600" dirty="0"/>
+              <a:t>Measure Branch Coverage by</a:t>
+            </a:r>
+            <a:r>
+              <a:rPr lang="ko-KR" altLang="en-US" sz="3600" dirty="0"/>
+              <a:t> </a:t>
+            </a:r>
+            <a:r>
+              <a:rPr lang="en-US" altLang="ko-KR" sz="3600"/>
+              <a:t>Using</a:t>
+            </a:r>
+            <a:r>
+              <a:rPr lang="ko-KR" altLang="en-US" sz="3600"/>
+              <a:t> </a:t>
+            </a:r>
+            <a:r>
+              <a:rPr lang="en-US" altLang="ko-KR" sz="3600">
+                <a:latin typeface="Courier New" panose="02070309020205020404" pitchFamily="49" charset="0"/>
+                <a:cs typeface="Courier New" panose="02070309020205020404" pitchFamily="49" charset="0"/>
+              </a:rPr>
+              <a:t>gcov</a:t>
+            </a:r>
+            <a:r>
+              <a:rPr lang="en-US" altLang="ko-KR" sz="3600">
+                <a:ea typeface="Calibri" panose="020F0502020204030204" pitchFamily="34" charset="0"/>
+                <a:cs typeface="Calibri" panose="020F0502020204030204" pitchFamily="34" charset="0"/>
+              </a:rPr>
+              <a:t> (1/2)</a:t>
+            </a:r>
+            <a:endParaRPr lang="en-US" sz="3600" dirty="0">
+              <a:ea typeface="Calibri" panose="020F0502020204030204" pitchFamily="34" charset="0"/>
+              <a:cs typeface="Calibri" panose="020F0502020204030204" pitchFamily="34" charset="0"/>
+            </a:endParaRPr>
+          </a:p>
+        </p:txBody>
+      </p:sp>
+      <p:sp>
+        <p:nvSpPr>
+          <p:cNvPr id="5" name="내용 개체 틀 4"/>
+          <p:cNvSpPr>
+            <a:spLocks noGrp="1"/>
+          </p:cNvSpPr>
+          <p:nvPr>
+            <p:ph sz="quarter" idx="13"/>
+          </p:nvPr>
+        </p:nvSpPr>
+        <p:spPr>
+          <a:xfrm>
+            <a:off x="142844" y="980728"/>
+            <a:ext cx="4069116" cy="2016224"/>
+          </a:xfrm>
+          <a:ln>
+            <a:solidFill>
+              <a:schemeClr val="tx1"/>
+            </a:solidFill>
+          </a:ln>
+        </p:spPr>
+        <p:txBody>
+          <a:bodyPr>
+            <a:noAutofit/>
+          </a:bodyPr>
+          <a:lstStyle/>
+          <a:p>
+            <a:pPr>
+              <a:lnSpc>
+                <a:spcPct val="60000"/>
+              </a:lnSpc>
+              <a:buNone/>
+            </a:pPr>
+            <a:r>
+              <a:rPr lang="en-US" sz="1400" dirty="0"/>
+              <a:t>…$ </a:t>
+            </a:r>
+            <a:r>
+              <a:rPr lang="en-US" sz="1400" dirty="0" err="1"/>
+              <a:t>crown_replay</a:t>
+            </a:r>
+            <a:endParaRPr lang="en-US" sz="1400" dirty="0"/>
+          </a:p>
+          <a:p>
+            <a:pPr>
+              <a:lnSpc>
+                <a:spcPct val="60000"/>
+              </a:lnSpc>
+              <a:buNone/>
+            </a:pPr>
+            <a:r>
+              <a:rPr lang="en-US" sz="1400" dirty="0"/>
+              <a:t>Usage : </a:t>
+            </a:r>
+            <a:r>
+              <a:rPr lang="en-US" sz="1400" dirty="0" err="1"/>
+              <a:t>crown_replay</a:t>
+            </a:r>
+            <a:r>
+              <a:rPr lang="en-US" sz="1400" dirty="0"/>
+              <a:t> &lt;PROGRAM_CMD&gt; [OPTION]...</a:t>
+            </a:r>
+          </a:p>
+          <a:p>
+            <a:pPr>
+              <a:lnSpc>
+                <a:spcPct val="60000"/>
+              </a:lnSpc>
+              <a:buNone/>
+            </a:pPr>
+            <a:r>
+              <a:rPr lang="en-US" sz="1400" dirty="0"/>
+              <a:t>Options:</a:t>
+            </a:r>
+          </a:p>
+          <a:p>
+            <a:pPr>
+              <a:lnSpc>
+                <a:spcPct val="60000"/>
+              </a:lnSpc>
+              <a:buNone/>
+            </a:pPr>
+            <a:r>
+              <a:rPr lang="en-US" sz="1400" dirty="0"/>
+              <a:t>    -d &lt;DIR&gt;  Use test inputs in the directory &lt;DIR&gt;.</a:t>
+            </a:r>
+          </a:p>
+          <a:p>
+            <a:pPr>
+              <a:lnSpc>
+                <a:spcPct val="60000"/>
+              </a:lnSpc>
+              <a:buNone/>
+            </a:pPr>
+            <a:r>
+              <a:rPr lang="en-US" sz="1400" dirty="0"/>
+              <a:t>                     (Default : </a:t>
+            </a:r>
+            <a:r>
+              <a:rPr lang="en-US" sz="1400" dirty="0" err="1"/>
+              <a:t>testdir</a:t>
+            </a:r>
+            <a:r>
+              <a:rPr lang="en-US" sz="1400" dirty="0"/>
+              <a:t>)</a:t>
+            </a:r>
+          </a:p>
+          <a:p>
+            <a:pPr>
+              <a:lnSpc>
+                <a:spcPct val="60000"/>
+              </a:lnSpc>
+              <a:buNone/>
+            </a:pPr>
+            <a:r>
+              <a:rPr lang="en-US" sz="1400" dirty="0"/>
+              <a:t>    -s &lt;ITER_START&gt;  </a:t>
+            </a:r>
+          </a:p>
+          <a:p>
+            <a:pPr>
+              <a:lnSpc>
+                <a:spcPct val="60000"/>
+              </a:lnSpc>
+              <a:buNone/>
+            </a:pPr>
+            <a:r>
+              <a:rPr lang="en-US" sz="1400" dirty="0"/>
+              <a:t>        Start the iteration from the &lt;ITER_START&gt;</a:t>
+            </a:r>
+            <a:r>
+              <a:rPr lang="en-US" sz="1400" dirty="0" err="1"/>
+              <a:t>th</a:t>
+            </a:r>
+            <a:r>
+              <a:rPr lang="en-US" sz="1400" dirty="0"/>
+              <a:t> test.</a:t>
+            </a:r>
+          </a:p>
+          <a:p>
+            <a:pPr>
+              <a:lnSpc>
+                <a:spcPct val="60000"/>
+              </a:lnSpc>
+              <a:buNone/>
+            </a:pPr>
+            <a:r>
+              <a:rPr lang="en-US" sz="1400" dirty="0"/>
+              <a:t>        (Default : 1)</a:t>
+            </a:r>
+          </a:p>
+          <a:p>
+            <a:pPr>
+              <a:lnSpc>
+                <a:spcPct val="60000"/>
+              </a:lnSpc>
+              <a:buNone/>
+            </a:pPr>
+            <a:r>
+              <a:rPr lang="en-US" sz="1400" dirty="0"/>
+              <a:t>    -e &lt;ITER_END&gt;  </a:t>
+            </a:r>
+          </a:p>
+          <a:p>
+            <a:pPr>
+              <a:lnSpc>
+                <a:spcPct val="60000"/>
+              </a:lnSpc>
+              <a:buNone/>
+            </a:pPr>
+            <a:r>
+              <a:rPr lang="en-US" sz="1400" dirty="0"/>
+              <a:t>        End the iteration to the &lt;ITER_END&gt;</a:t>
+            </a:r>
+            <a:r>
+              <a:rPr lang="en-US" sz="1400" dirty="0" err="1"/>
+              <a:t>th</a:t>
+            </a:r>
+            <a:r>
+              <a:rPr lang="en-US" sz="1400" dirty="0"/>
+              <a:t> test.</a:t>
+            </a:r>
+          </a:p>
+          <a:p>
+            <a:pPr>
+              <a:lnSpc>
+                <a:spcPct val="60000"/>
+              </a:lnSpc>
+              <a:buNone/>
+            </a:pPr>
+            <a:r>
+              <a:rPr lang="en-US" sz="1400" dirty="0"/>
+              <a:t>        (Default : # of test inputs in &lt;DIR&gt;) </a:t>
+            </a:r>
+          </a:p>
+        </p:txBody>
+      </p:sp>
+      <p:sp>
+        <p:nvSpPr>
+          <p:cNvPr id="6" name="내용 개체 틀 4"/>
+          <p:cNvSpPr txBox="1">
+            <a:spLocks/>
+          </p:cNvSpPr>
+          <p:nvPr/>
+        </p:nvSpPr>
+        <p:spPr>
+          <a:xfrm>
+            <a:off x="4427984" y="476672"/>
+            <a:ext cx="4680520" cy="2880320"/>
+          </a:xfrm>
+          <a:prstGeom prst="rect">
+            <a:avLst/>
+          </a:prstGeom>
+          <a:ln>
+            <a:solidFill>
+              <a:schemeClr val="tx1"/>
+            </a:solidFill>
+          </a:ln>
+        </p:spPr>
+        <p:txBody>
+          <a:bodyPr vert="horz" lIns="91440" tIns="45720" rIns="91440" bIns="45720" rtlCol="0">
+            <a:noAutofit/>
+          </a:bodyPr>
+          <a:lstStyle>
+            <a:lvl1pPr marL="342900" indent="-342900" algn="l" defTabSz="914400" rtl="0" eaLnBrk="1" latinLnBrk="1" hangingPunct="1">
+              <a:spcBef>
+                <a:spcPct val="20000"/>
+              </a:spcBef>
+              <a:buFont typeface="Arial" pitchFamily="34" charset="0"/>
+              <a:buChar char="•"/>
+              <a:defRPr sz="3200" kern="1200">
+                <a:solidFill>
+                  <a:schemeClr val="tx1"/>
+                </a:solidFill>
+                <a:latin typeface="Calibri" pitchFamily="34" charset="0"/>
+                <a:ea typeface="+mn-ea"/>
+                <a:cs typeface="+mn-cs"/>
+              </a:defRPr>
+            </a:lvl1pPr>
+            <a:lvl2pPr marL="742950" indent="-285750" algn="l" defTabSz="914400" rtl="0" eaLnBrk="1" latinLnBrk="1" hangingPunct="1">
+              <a:spcBef>
+                <a:spcPct val="20000"/>
+              </a:spcBef>
+              <a:buFont typeface="Arial" pitchFamily="34" charset="0"/>
+              <a:buChar char="–"/>
+              <a:defRPr sz="2800" kern="1200">
+                <a:solidFill>
+                  <a:schemeClr val="tx1"/>
+                </a:solidFill>
+                <a:latin typeface="Calibri" pitchFamily="34" charset="0"/>
+                <a:ea typeface="+mn-ea"/>
+                <a:cs typeface="+mn-cs"/>
+              </a:defRPr>
+            </a:lvl2pPr>
+            <a:lvl3pPr marL="1143000" indent="-228600" algn="l" defTabSz="914400" rtl="0" eaLnBrk="1" latinLnBrk="1" hangingPunct="1">
+              <a:spcBef>
+                <a:spcPct val="20000"/>
+              </a:spcBef>
+              <a:buFont typeface="Arial" pitchFamily="34" charset="0"/>
+              <a:buChar char="•"/>
+              <a:defRPr sz="2400" kern="1200">
+                <a:solidFill>
+                  <a:schemeClr val="tx1"/>
+                </a:solidFill>
+                <a:latin typeface="Calibri" pitchFamily="34" charset="0"/>
+                <a:ea typeface="+mn-ea"/>
+                <a:cs typeface="+mn-cs"/>
+              </a:defRPr>
+            </a:lvl3pPr>
+            <a:lvl4pPr marL="1600200" indent="-228600" algn="l" defTabSz="914400" rtl="0" eaLnBrk="1" latinLnBrk="1" hangingPunct="1">
+              <a:spcBef>
+                <a:spcPct val="20000"/>
+              </a:spcBef>
+              <a:buFont typeface="Arial" pitchFamily="34" charset="0"/>
+              <a:buChar char="–"/>
+              <a:defRPr sz="2000" kern="1200">
+                <a:solidFill>
+                  <a:schemeClr val="tx1"/>
+                </a:solidFill>
+                <a:latin typeface="Calibri" pitchFamily="34" charset="0"/>
+                <a:ea typeface="+mn-ea"/>
+                <a:cs typeface="+mn-cs"/>
+              </a:defRPr>
+            </a:lvl4pPr>
+            <a:lvl5pPr marL="2057400" indent="-228600" algn="l" defTabSz="914400" rtl="0" eaLnBrk="1" latinLnBrk="1" hangingPunct="1">
+              <a:spcBef>
+                <a:spcPct val="20000"/>
+              </a:spcBef>
+              <a:buFont typeface="Arial" pitchFamily="34" charset="0"/>
+              <a:buChar char="»"/>
+              <a:defRPr sz="2000" kern="1200">
+                <a:solidFill>
+                  <a:schemeClr val="tx1"/>
+                </a:solidFill>
+                <a:latin typeface="Calibri" pitchFamily="34" charset="0"/>
+                <a:ea typeface="+mn-ea"/>
+                <a:cs typeface="+mn-cs"/>
+              </a:defRPr>
+            </a:lvl5pPr>
+            <a:lvl6pPr marL="2514600" indent="-228600" algn="l" defTabSz="914400" rtl="0" eaLnBrk="1" latinLnBrk="1" hangingPunct="1">
+              <a:spcBef>
+                <a:spcPct val="20000"/>
+              </a:spcBef>
+              <a:buFont typeface="Arial" pitchFamily="34" charset="0"/>
+              <a:buChar char="•"/>
+              <a:defRPr sz="2000" kern="1200">
+                <a:solidFill>
+                  <a:schemeClr val="tx1"/>
+                </a:solidFill>
+                <a:latin typeface="+mn-lt"/>
+                <a:ea typeface="+mn-ea"/>
+                <a:cs typeface="+mn-cs"/>
+              </a:defRPr>
+            </a:lvl6pPr>
+            <a:lvl7pPr marL="2971800" indent="-228600" algn="l" defTabSz="914400" rtl="0" eaLnBrk="1" latinLnBrk="1" hangingPunct="1">
+              <a:spcBef>
+                <a:spcPct val="20000"/>
+              </a:spcBef>
+              <a:buFont typeface="Arial" pitchFamily="34" charset="0"/>
+              <a:buChar char="•"/>
+              <a:defRPr sz="2000" kern="1200">
+                <a:solidFill>
+                  <a:schemeClr val="tx1"/>
+                </a:solidFill>
+                <a:latin typeface="+mn-lt"/>
+                <a:ea typeface="+mn-ea"/>
+                <a:cs typeface="+mn-cs"/>
+              </a:defRPr>
+            </a:lvl7pPr>
+            <a:lvl8pPr marL="3429000" indent="-228600" algn="l" defTabSz="914400" rtl="0" eaLnBrk="1" latinLnBrk="1" hangingPunct="1">
+              <a:spcBef>
+                <a:spcPct val="20000"/>
+              </a:spcBef>
+              <a:buFont typeface="Arial" pitchFamily="34" charset="0"/>
+              <a:buChar char="•"/>
+              <a:defRPr sz="2000" kern="1200">
+                <a:solidFill>
+                  <a:schemeClr val="tx1"/>
+                </a:solidFill>
+                <a:latin typeface="+mn-lt"/>
+                <a:ea typeface="+mn-ea"/>
+                <a:cs typeface="+mn-cs"/>
+              </a:defRPr>
+            </a:lvl8pPr>
+            <a:lvl9pPr marL="3886200" indent="-228600" algn="l" defTabSz="914400" rtl="0" eaLnBrk="1" latinLnBrk="1" hangingPunct="1">
+              <a:spcBef>
+                <a:spcPct val="20000"/>
+              </a:spcBef>
+              <a:buFont typeface="Arial" pitchFamily="34" charset="0"/>
+              <a:buChar char="•"/>
+              <a:defRPr sz="2000" kern="1200">
+                <a:solidFill>
+                  <a:schemeClr val="tx1"/>
+                </a:solidFill>
+                <a:latin typeface="+mn-lt"/>
+                <a:ea typeface="+mn-ea"/>
+                <a:cs typeface="+mn-cs"/>
+              </a:defRPr>
+            </a:lvl9pPr>
+          </a:lstStyle>
+          <a:p>
+            <a:pPr>
+              <a:lnSpc>
+                <a:spcPct val="60000"/>
+              </a:lnSpc>
+              <a:buNone/>
+            </a:pPr>
+            <a:r>
+              <a:rPr lang="en-US" sz="1400" dirty="0"/>
+              <a:t>…$ </a:t>
+            </a:r>
+            <a:r>
+              <a:rPr lang="en-US" sz="1400" err="1">
+                <a:solidFill>
+                  <a:srgbClr val="FF0000"/>
+                </a:solidFill>
+              </a:rPr>
+              <a:t>cp</a:t>
+            </a:r>
+            <a:r>
+              <a:rPr lang="en-US" sz="1400">
+                <a:solidFill>
+                  <a:srgbClr val="FF0000"/>
+                </a:solidFill>
+              </a:rPr>
+              <a:t> tcs/</a:t>
+            </a:r>
+            <a:r>
+              <a:rPr lang="en-US" sz="1400" dirty="0">
+                <a:solidFill>
+                  <a:srgbClr val="FF0000"/>
+                </a:solidFill>
+              </a:rPr>
+              <a:t>input.</a:t>
+            </a:r>
+            <a:r>
+              <a:rPr lang="en-US" sz="1400">
+                <a:solidFill>
+                  <a:srgbClr val="FF0000"/>
+                </a:solidFill>
+              </a:rPr>
+              <a:t>4 input .</a:t>
+            </a:r>
+          </a:p>
+          <a:p>
+            <a:pPr>
+              <a:lnSpc>
+                <a:spcPct val="60000"/>
+              </a:lnSpc>
+              <a:buNone/>
+            </a:pPr>
+            <a:r>
+              <a:rPr lang="en-US" altLang="ko-KR" sz="1400"/>
+              <a:t>…$ </a:t>
+            </a:r>
+            <a:r>
+              <a:rPr lang="en-US" altLang="ko-KR" sz="1400">
+                <a:solidFill>
+                  <a:srgbClr val="FF0000"/>
+                </a:solidFill>
+              </a:rPr>
+              <a:t>cp tcs/type.4 type .</a:t>
+            </a:r>
+          </a:p>
+          <a:p>
+            <a:pPr>
+              <a:lnSpc>
+                <a:spcPct val="60000"/>
+              </a:lnSpc>
+              <a:buNone/>
+            </a:pPr>
+            <a:r>
+              <a:rPr lang="en-US" sz="1400"/>
+              <a:t>…$ </a:t>
+            </a:r>
+            <a:r>
+              <a:rPr lang="en-US" sz="1400">
+                <a:solidFill>
+                  <a:srgbClr val="FF0000"/>
+                </a:solidFill>
+              </a:rPr>
+              <a:t>./triangle_</a:t>
+            </a:r>
+            <a:r>
+              <a:rPr lang="en-US" sz="1400" dirty="0" err="1">
+                <a:solidFill>
+                  <a:srgbClr val="FF0000"/>
+                </a:solidFill>
+              </a:rPr>
+              <a:t>replay</a:t>
+            </a:r>
+            <a:endParaRPr lang="en-US" sz="1400" dirty="0">
+              <a:solidFill>
+                <a:srgbClr val="FF0000"/>
+              </a:solidFill>
+            </a:endParaRPr>
+          </a:p>
+          <a:p>
+            <a:pPr>
+              <a:lnSpc>
+                <a:spcPct val="60000"/>
+              </a:lnSpc>
+              <a:buNone/>
+            </a:pPr>
+            <a:r>
+              <a:rPr lang="en-US" sz="1400" dirty="0" err="1"/>
+              <a:t>a,b,c</a:t>
+            </a:r>
+            <a:r>
+              <a:rPr lang="en-US" sz="1400" dirty="0"/>
+              <a:t> = 2,1,2</a:t>
+            </a:r>
+          </a:p>
+          <a:p>
+            <a:pPr>
+              <a:lnSpc>
+                <a:spcPct val="60000"/>
+              </a:lnSpc>
+              <a:buNone/>
+            </a:pPr>
+            <a:r>
+              <a:rPr lang="en-US" sz="1400" dirty="0"/>
+              <a:t>This triangle is an </a:t>
+            </a:r>
+            <a:r>
+              <a:rPr lang="en-US" sz="1400" dirty="0" err="1"/>
+              <a:t>isoscele</a:t>
+            </a:r>
+            <a:r>
+              <a:rPr lang="en-US" sz="1400" dirty="0"/>
+              <a:t>. </a:t>
+            </a:r>
+          </a:p>
+          <a:p>
+            <a:pPr>
+              <a:lnSpc>
+                <a:spcPct val="60000"/>
+              </a:lnSpc>
+              <a:buNone/>
+            </a:pPr>
+            <a:r>
+              <a:rPr lang="en-US" sz="1400"/>
+              <a:t>…$ </a:t>
+            </a:r>
+            <a:r>
+              <a:rPr lang="en-US" sz="1400" dirty="0" err="1">
+                <a:solidFill>
+                  <a:srgbClr val="FF0000"/>
+                </a:solidFill>
+              </a:rPr>
+              <a:t>gcov</a:t>
+            </a:r>
+            <a:r>
+              <a:rPr lang="en-US" sz="1400" dirty="0">
+                <a:solidFill>
+                  <a:srgbClr val="FF0000"/>
+                </a:solidFill>
+              </a:rPr>
+              <a:t> -</a:t>
+            </a:r>
+            <a:r>
+              <a:rPr lang="en-US" sz="1400">
+                <a:solidFill>
+                  <a:srgbClr val="FF0000"/>
+                </a:solidFill>
+              </a:rPr>
+              <a:t>b -f triangle </a:t>
+            </a:r>
+            <a:endParaRPr lang="en-US" sz="1400" dirty="0">
+              <a:solidFill>
+                <a:srgbClr val="FF0000"/>
+              </a:solidFill>
+            </a:endParaRPr>
+          </a:p>
+          <a:p>
+            <a:pPr>
+              <a:lnSpc>
+                <a:spcPct val="60000"/>
+              </a:lnSpc>
+              <a:buNone/>
+            </a:pPr>
+            <a:r>
+              <a:rPr lang="en-US" sz="1400"/>
+              <a:t>Function 'triangle'</a:t>
+            </a:r>
+          </a:p>
+          <a:p>
+            <a:pPr>
+              <a:lnSpc>
+                <a:spcPct val="60000"/>
+              </a:lnSpc>
+              <a:buNone/>
+            </a:pPr>
+            <a:r>
+              <a:rPr lang="en-US" sz="1400"/>
+              <a:t>Lines executed:61.90% of 21</a:t>
+            </a:r>
+          </a:p>
+          <a:p>
+            <a:pPr>
+              <a:lnSpc>
+                <a:spcPct val="60000"/>
+              </a:lnSpc>
+              <a:buNone/>
+            </a:pPr>
+            <a:r>
+              <a:rPr lang="en-US" sz="1400"/>
+              <a:t>Branches executed:61.54% of 26</a:t>
+            </a:r>
+          </a:p>
+          <a:p>
+            <a:pPr>
+              <a:lnSpc>
+                <a:spcPct val="60000"/>
+              </a:lnSpc>
+              <a:buNone/>
+            </a:pPr>
+            <a:r>
+              <a:rPr lang="en-US" sz="1400"/>
+              <a:t>Taken at least once:42.31% of 26</a:t>
+            </a:r>
+          </a:p>
+          <a:p>
+            <a:pPr>
+              <a:lnSpc>
+                <a:spcPct val="60000"/>
+              </a:lnSpc>
+              <a:buNone/>
+            </a:pPr>
+            <a:r>
+              <a:rPr lang="en-US" sz="1400"/>
+              <a:t>No calls</a:t>
+            </a:r>
+          </a:p>
+          <a:p>
+            <a:pPr>
+              <a:lnSpc>
+                <a:spcPct val="60000"/>
+              </a:lnSpc>
+              <a:buNone/>
+            </a:pPr>
+            <a:endParaRPr lang="en-US" sz="1400"/>
+          </a:p>
+          <a:p>
+            <a:pPr>
+              <a:lnSpc>
+                <a:spcPct val="60000"/>
+              </a:lnSpc>
+              <a:buNone/>
+            </a:pPr>
+            <a:r>
+              <a:rPr lang="en-US" sz="1400"/>
+              <a:t>File 'triangle.c'</a:t>
+            </a:r>
+          </a:p>
+          <a:p>
+            <a:pPr>
+              <a:lnSpc>
+                <a:spcPct val="60000"/>
+              </a:lnSpc>
+              <a:buNone/>
+            </a:pPr>
+            <a:r>
+              <a:rPr lang="en-US" sz="1400"/>
+              <a:t>Lines executed:68.75% of 32</a:t>
+            </a:r>
+          </a:p>
+          <a:p>
+            <a:pPr>
+              <a:lnSpc>
+                <a:spcPct val="60000"/>
+              </a:lnSpc>
+              <a:buNone/>
+            </a:pPr>
+            <a:r>
+              <a:rPr lang="en-US" sz="1400"/>
+              <a:t>Branches executed:69.23% of 39</a:t>
+            </a:r>
+          </a:p>
+          <a:p>
+            <a:pPr>
+              <a:lnSpc>
+                <a:spcPct val="60000"/>
+              </a:lnSpc>
+              <a:buNone/>
+            </a:pPr>
+            <a:r>
+              <a:rPr lang="en-US" sz="1400"/>
+              <a:t>Taken at least once:41.03% of 39</a:t>
+            </a:r>
+          </a:p>
+          <a:p>
+            <a:pPr>
+              <a:lnSpc>
+                <a:spcPct val="60000"/>
+              </a:lnSpc>
+              <a:buNone/>
+            </a:pPr>
+            <a:r>
+              <a:rPr lang="en-US" sz="1400"/>
+              <a:t>Calls executed:54.55% of 11</a:t>
+            </a:r>
+          </a:p>
+        </p:txBody>
+      </p:sp>
+      <p:sp>
+        <p:nvSpPr>
+          <p:cNvPr id="7" name="내용 개체 틀 2"/>
+          <p:cNvSpPr txBox="1">
+            <a:spLocks/>
+          </p:cNvSpPr>
+          <p:nvPr/>
+        </p:nvSpPr>
+        <p:spPr>
+          <a:xfrm>
+            <a:off x="142844" y="3140968"/>
+            <a:ext cx="4069116" cy="2856380"/>
+          </a:xfrm>
+          <a:prstGeom prst="rect">
+            <a:avLst/>
+          </a:prstGeom>
+        </p:spPr>
+        <p:txBody>
+          <a:bodyPr>
+            <a:noAutofit/>
+          </a:bodyPr>
+          <a:lstStyle>
+            <a:lvl1pPr marL="342900" indent="-342900" algn="l" defTabSz="914400" rtl="0" eaLnBrk="1" latinLnBrk="1" hangingPunct="1">
+              <a:spcBef>
+                <a:spcPct val="20000"/>
+              </a:spcBef>
+              <a:buFont typeface="Arial" pitchFamily="34" charset="0"/>
+              <a:buChar char="•"/>
+              <a:defRPr sz="3200" kern="1200">
+                <a:solidFill>
+                  <a:schemeClr val="tx1"/>
+                </a:solidFill>
+                <a:latin typeface="Calibri" pitchFamily="34" charset="0"/>
+                <a:ea typeface="+mn-ea"/>
+                <a:cs typeface="+mn-cs"/>
+              </a:defRPr>
+            </a:lvl1pPr>
+            <a:lvl2pPr marL="742950" indent="-285750" algn="l" defTabSz="914400" rtl="0" eaLnBrk="1" latinLnBrk="1" hangingPunct="1">
+              <a:spcBef>
+                <a:spcPct val="20000"/>
+              </a:spcBef>
+              <a:buFont typeface="Arial" pitchFamily="34" charset="0"/>
+              <a:buChar char="–"/>
+              <a:defRPr sz="2800" kern="1200">
+                <a:solidFill>
+                  <a:schemeClr val="tx1"/>
+                </a:solidFill>
+                <a:latin typeface="Calibri" pitchFamily="34" charset="0"/>
+                <a:ea typeface="+mn-ea"/>
+                <a:cs typeface="+mn-cs"/>
+              </a:defRPr>
+            </a:lvl2pPr>
+            <a:lvl3pPr marL="1143000" indent="-228600" algn="l" defTabSz="914400" rtl="0" eaLnBrk="1" latinLnBrk="1" hangingPunct="1">
+              <a:spcBef>
+                <a:spcPct val="20000"/>
+              </a:spcBef>
+              <a:buFont typeface="Arial" pitchFamily="34" charset="0"/>
+              <a:buChar char="•"/>
+              <a:defRPr sz="2400" kern="1200">
+                <a:solidFill>
+                  <a:schemeClr val="tx1"/>
+                </a:solidFill>
+                <a:latin typeface="Calibri" pitchFamily="34" charset="0"/>
+                <a:ea typeface="+mn-ea"/>
+                <a:cs typeface="+mn-cs"/>
+              </a:defRPr>
+            </a:lvl3pPr>
+            <a:lvl4pPr marL="1600200" indent="-228600" algn="l" defTabSz="914400" rtl="0" eaLnBrk="1" latinLnBrk="1" hangingPunct="1">
+              <a:spcBef>
+                <a:spcPct val="20000"/>
+              </a:spcBef>
+              <a:buFont typeface="Arial" pitchFamily="34" charset="0"/>
+              <a:buChar char="–"/>
+              <a:defRPr sz="2000" kern="1200">
+                <a:solidFill>
+                  <a:schemeClr val="tx1"/>
+                </a:solidFill>
+                <a:latin typeface="Calibri" pitchFamily="34" charset="0"/>
+                <a:ea typeface="+mn-ea"/>
+                <a:cs typeface="+mn-cs"/>
+              </a:defRPr>
+            </a:lvl4pPr>
+            <a:lvl5pPr marL="2057400" indent="-228600" algn="l" defTabSz="914400" rtl="0" eaLnBrk="1" latinLnBrk="1" hangingPunct="1">
+              <a:spcBef>
+                <a:spcPct val="20000"/>
+              </a:spcBef>
+              <a:buFont typeface="Arial" pitchFamily="34" charset="0"/>
+              <a:buChar char="»"/>
+              <a:defRPr sz="2000" kern="1200">
+                <a:solidFill>
+                  <a:schemeClr val="tx1"/>
+                </a:solidFill>
+                <a:latin typeface="Calibri" pitchFamily="34" charset="0"/>
+                <a:ea typeface="+mn-ea"/>
+                <a:cs typeface="+mn-cs"/>
+              </a:defRPr>
+            </a:lvl5pPr>
+            <a:lvl6pPr marL="2514600" indent="-228600" algn="l" defTabSz="914400" rtl="0" eaLnBrk="1" latinLnBrk="1" hangingPunct="1">
+              <a:spcBef>
+                <a:spcPct val="20000"/>
+              </a:spcBef>
+              <a:buFont typeface="Arial" pitchFamily="34" charset="0"/>
+              <a:buChar char="•"/>
+              <a:defRPr sz="2000" kern="1200">
+                <a:solidFill>
+                  <a:schemeClr val="tx1"/>
+                </a:solidFill>
+                <a:latin typeface="+mn-lt"/>
+                <a:ea typeface="+mn-ea"/>
+                <a:cs typeface="+mn-cs"/>
+              </a:defRPr>
+            </a:lvl6pPr>
+            <a:lvl7pPr marL="2971800" indent="-228600" algn="l" defTabSz="914400" rtl="0" eaLnBrk="1" latinLnBrk="1" hangingPunct="1">
+              <a:spcBef>
+                <a:spcPct val="20000"/>
+              </a:spcBef>
+              <a:buFont typeface="Arial" pitchFamily="34" charset="0"/>
+              <a:buChar char="•"/>
+              <a:defRPr sz="2000" kern="1200">
+                <a:solidFill>
+                  <a:schemeClr val="tx1"/>
+                </a:solidFill>
+                <a:latin typeface="+mn-lt"/>
+                <a:ea typeface="+mn-ea"/>
+                <a:cs typeface="+mn-cs"/>
+              </a:defRPr>
+            </a:lvl7pPr>
+            <a:lvl8pPr marL="3429000" indent="-228600" algn="l" defTabSz="914400" rtl="0" eaLnBrk="1" latinLnBrk="1" hangingPunct="1">
+              <a:spcBef>
+                <a:spcPct val="20000"/>
+              </a:spcBef>
+              <a:buFont typeface="Arial" pitchFamily="34" charset="0"/>
+              <a:buChar char="•"/>
+              <a:defRPr sz="2000" kern="1200">
+                <a:solidFill>
+                  <a:schemeClr val="tx1"/>
+                </a:solidFill>
+                <a:latin typeface="+mn-lt"/>
+                <a:ea typeface="+mn-ea"/>
+                <a:cs typeface="+mn-cs"/>
+              </a:defRPr>
+            </a:lvl8pPr>
+            <a:lvl9pPr marL="3886200" indent="-228600" algn="l" defTabSz="914400" rtl="0" eaLnBrk="1" latinLnBrk="1" hangingPunct="1">
+              <a:spcBef>
+                <a:spcPct val="20000"/>
+              </a:spcBef>
+              <a:buFont typeface="Arial" pitchFamily="34" charset="0"/>
+              <a:buChar char="•"/>
+              <a:defRPr sz="2000" kern="1200">
+                <a:solidFill>
+                  <a:schemeClr val="tx1"/>
+                </a:solidFill>
+                <a:latin typeface="+mn-lt"/>
+                <a:ea typeface="+mn-ea"/>
+                <a:cs typeface="+mn-cs"/>
+              </a:defRPr>
+            </a:lvl9pPr>
+          </a:lstStyle>
+          <a:p>
+            <a:r>
+              <a:rPr lang="en-US" altLang="ko-KR" sz="1600" dirty="0" err="1">
+                <a:latin typeface="Courier New" panose="02070309020205020404" pitchFamily="49" charset="0"/>
+                <a:cs typeface="Courier New" panose="02070309020205020404" pitchFamily="49" charset="0"/>
+              </a:rPr>
+              <a:t>crownc</a:t>
+            </a:r>
+            <a:r>
+              <a:rPr lang="en-US" altLang="ko-KR" sz="1600" dirty="0"/>
+              <a:t> generates </a:t>
+            </a:r>
+            <a:r>
+              <a:rPr lang="en-US" altLang="ko-KR" sz="1600" dirty="0">
+                <a:latin typeface="Courier New" panose="02070309020205020404" pitchFamily="49" charset="0"/>
+                <a:cs typeface="Courier New" panose="02070309020205020404" pitchFamily="49" charset="0"/>
+              </a:rPr>
+              <a:t>&lt;target&gt;_replay </a:t>
+            </a:r>
+            <a:r>
+              <a:rPr lang="en-US" altLang="ko-KR" sz="1600" dirty="0"/>
+              <a:t>which is an original target program (i.e., conditional </a:t>
+            </a:r>
+            <a:r>
+              <a:rPr lang="en-US" altLang="ko-KR" sz="1600" dirty="0" err="1"/>
+              <a:t>stmts</a:t>
+            </a:r>
+            <a:r>
+              <a:rPr lang="en-US" altLang="ko-KR" sz="1600" dirty="0"/>
+              <a:t> </a:t>
+            </a:r>
+            <a:r>
+              <a:rPr lang="en-US" altLang="ko-KR" sz="1600" i="1" dirty="0"/>
+              <a:t>not</a:t>
+            </a:r>
+            <a:r>
+              <a:rPr lang="en-US" altLang="ko-KR" sz="1600" dirty="0"/>
+              <a:t> transformed, symbolic execution </a:t>
+            </a:r>
+            <a:r>
+              <a:rPr lang="en-US" altLang="ko-KR" sz="1600" i="1" dirty="0"/>
+              <a:t>not </a:t>
+            </a:r>
+            <a:r>
+              <a:rPr lang="en-US" altLang="ko-KR" sz="1600" dirty="0"/>
+              <a:t>extracted) that can read TCs generated by CROWN</a:t>
+            </a:r>
+          </a:p>
+          <a:p>
+            <a:pPr lvl="1"/>
+            <a:r>
+              <a:rPr lang="en-US" altLang="ko-KR" sz="1400" dirty="0"/>
+              <a:t>Ex&gt; </a:t>
+            </a:r>
+            <a:r>
+              <a:rPr lang="en-US" altLang="ko-KR" sz="1400" dirty="0" err="1">
+                <a:latin typeface="Courier New" panose="02070309020205020404" pitchFamily="49" charset="0"/>
+                <a:cs typeface="Courier New" panose="02070309020205020404" pitchFamily="49" charset="0"/>
+              </a:rPr>
+              <a:t>triangle_replay</a:t>
+            </a:r>
+            <a:endParaRPr lang="en-US" altLang="ko-KR" sz="1400" dirty="0">
+              <a:latin typeface="Courier New" panose="02070309020205020404" pitchFamily="49" charset="0"/>
+              <a:cs typeface="Courier New" panose="02070309020205020404" pitchFamily="49" charset="0"/>
+            </a:endParaRPr>
+          </a:p>
+          <a:p>
+            <a:r>
+              <a:rPr lang="en-US" altLang="ko-KR" sz="1600" dirty="0">
+                <a:latin typeface="Courier New" panose="02070309020205020404" pitchFamily="49" charset="0"/>
+                <a:cs typeface="Courier New" panose="02070309020205020404" pitchFamily="49" charset="0"/>
+              </a:rPr>
+              <a:t>&lt;target&gt;_replay </a:t>
+            </a:r>
+            <a:r>
+              <a:rPr lang="en-US" altLang="ko-KR" sz="1600" dirty="0">
+                <a:cs typeface="Calibri" panose="020F0502020204030204" pitchFamily="34" charset="0"/>
+              </a:rPr>
+              <a:t>reads</a:t>
+            </a:r>
+            <a:r>
+              <a:rPr lang="en-US" altLang="ko-KR" sz="1600" dirty="0">
+                <a:latin typeface="Courier New" panose="02070309020205020404" pitchFamily="49" charset="0"/>
+                <a:cs typeface="Courier New" panose="02070309020205020404" pitchFamily="49" charset="0"/>
+              </a:rPr>
+              <a:t> “input” </a:t>
+            </a:r>
+            <a:r>
+              <a:rPr lang="en-US" altLang="ko-KR" sz="1600" dirty="0">
+                <a:cs typeface="Calibri" panose="020F0502020204030204" pitchFamily="34" charset="0"/>
+              </a:rPr>
+              <a:t>file</a:t>
+            </a:r>
+            <a:r>
+              <a:rPr lang="en-US" altLang="ko-KR" sz="1600" dirty="0">
+                <a:latin typeface="Courier New" panose="02070309020205020404" pitchFamily="49" charset="0"/>
+                <a:cs typeface="Courier New" panose="02070309020205020404" pitchFamily="49" charset="0"/>
+              </a:rPr>
+              <a:t> </a:t>
+            </a:r>
+            <a:r>
+              <a:rPr lang="en-US" altLang="ko-KR" sz="1600" dirty="0">
+                <a:cs typeface="Calibri" panose="020F0502020204030204" pitchFamily="34" charset="0"/>
+              </a:rPr>
+              <a:t>in the same directory to replay  </a:t>
+            </a:r>
+          </a:p>
+          <a:p>
+            <a:r>
+              <a:rPr lang="en-US" altLang="ko-KR" sz="1600" dirty="0" err="1">
+                <a:latin typeface="Courier New" panose="02070309020205020404" pitchFamily="49" charset="0"/>
+                <a:cs typeface="Courier New" panose="02070309020205020404" pitchFamily="49" charset="0"/>
+              </a:rPr>
+              <a:t>crown_replay</a:t>
+            </a:r>
+            <a:r>
+              <a:rPr lang="en-US" altLang="ko-KR" sz="1600" dirty="0"/>
+              <a:t> replays </a:t>
+            </a:r>
+            <a:r>
+              <a:rPr lang="en-US" altLang="ko-KR" sz="1600" dirty="0">
+                <a:latin typeface="Courier New" panose="02070309020205020404" pitchFamily="49" charset="0"/>
+                <a:cs typeface="Courier New" panose="02070309020205020404" pitchFamily="49" charset="0"/>
+              </a:rPr>
+              <a:t>&lt;target&gt;_replay </a:t>
+            </a:r>
+            <a:r>
+              <a:rPr lang="en-US" altLang="ko-KR" sz="1600" dirty="0"/>
+              <a:t>to measure branch coverage of the original target program with TCs in &lt;DIR&gt; generated by CROWN</a:t>
+            </a:r>
+          </a:p>
+          <a:p>
+            <a:endParaRPr lang="ko-KR" altLang="en-US" sz="1600" dirty="0"/>
+          </a:p>
+        </p:txBody>
+      </p:sp>
+      <p:sp>
+        <p:nvSpPr>
+          <p:cNvPr id="3" name="내용 개체 틀 4">
+            <a:extLst>
+              <a:ext uri="{FF2B5EF4-FFF2-40B4-BE49-F238E27FC236}">
+                <a16:creationId xmlns:a16="http://schemas.microsoft.com/office/drawing/2014/main" id="{96C12EA6-75D6-E423-7B8E-337B467802CD}"/>
+              </a:ext>
+            </a:extLst>
+          </p:cNvPr>
+          <p:cNvSpPr txBox="1">
+            <a:spLocks/>
+          </p:cNvSpPr>
+          <p:nvPr/>
+        </p:nvSpPr>
+        <p:spPr>
+          <a:xfrm>
+            <a:off x="4424173" y="3429000"/>
+            <a:ext cx="4680520" cy="3449145"/>
+          </a:xfrm>
+          <a:prstGeom prst="rect">
+            <a:avLst/>
+          </a:prstGeom>
+          <a:ln>
+            <a:solidFill>
+              <a:schemeClr val="tx1"/>
+            </a:solidFill>
+          </a:ln>
+        </p:spPr>
+        <p:txBody>
+          <a:bodyPr vert="horz" lIns="91440" tIns="45720" rIns="91440" bIns="45720" rtlCol="0">
+            <a:noAutofit/>
+          </a:bodyPr>
+          <a:lstStyle>
+            <a:lvl1pPr marL="342900" indent="-342900" algn="l" defTabSz="914400" rtl="0" eaLnBrk="1" latinLnBrk="1" hangingPunct="1">
+              <a:spcBef>
+                <a:spcPct val="20000"/>
+              </a:spcBef>
+              <a:buFont typeface="Arial" pitchFamily="34" charset="0"/>
+              <a:buChar char="•"/>
+              <a:defRPr sz="3200" kern="1200">
+                <a:solidFill>
+                  <a:schemeClr val="tx1"/>
+                </a:solidFill>
+                <a:latin typeface="Calibri" pitchFamily="34" charset="0"/>
+                <a:ea typeface="+mn-ea"/>
+                <a:cs typeface="+mn-cs"/>
+              </a:defRPr>
+            </a:lvl1pPr>
+            <a:lvl2pPr marL="742950" indent="-285750" algn="l" defTabSz="914400" rtl="0" eaLnBrk="1" latinLnBrk="1" hangingPunct="1">
+              <a:spcBef>
+                <a:spcPct val="20000"/>
+              </a:spcBef>
+              <a:buFont typeface="Arial" pitchFamily="34" charset="0"/>
+              <a:buChar char="–"/>
+              <a:defRPr sz="2800" kern="1200">
+                <a:solidFill>
+                  <a:schemeClr val="tx1"/>
+                </a:solidFill>
+                <a:latin typeface="Calibri" pitchFamily="34" charset="0"/>
+                <a:ea typeface="+mn-ea"/>
+                <a:cs typeface="+mn-cs"/>
+              </a:defRPr>
+            </a:lvl2pPr>
+            <a:lvl3pPr marL="1143000" indent="-228600" algn="l" defTabSz="914400" rtl="0" eaLnBrk="1" latinLnBrk="1" hangingPunct="1">
+              <a:spcBef>
+                <a:spcPct val="20000"/>
+              </a:spcBef>
+              <a:buFont typeface="Arial" pitchFamily="34" charset="0"/>
+              <a:buChar char="•"/>
+              <a:defRPr sz="2400" kern="1200">
+                <a:solidFill>
+                  <a:schemeClr val="tx1"/>
+                </a:solidFill>
+                <a:latin typeface="Calibri" pitchFamily="34" charset="0"/>
+                <a:ea typeface="+mn-ea"/>
+                <a:cs typeface="+mn-cs"/>
+              </a:defRPr>
+            </a:lvl3pPr>
+            <a:lvl4pPr marL="1600200" indent="-228600" algn="l" defTabSz="914400" rtl="0" eaLnBrk="1" latinLnBrk="1" hangingPunct="1">
+              <a:spcBef>
+                <a:spcPct val="20000"/>
+              </a:spcBef>
+              <a:buFont typeface="Arial" pitchFamily="34" charset="0"/>
+              <a:buChar char="–"/>
+              <a:defRPr sz="2000" kern="1200">
+                <a:solidFill>
+                  <a:schemeClr val="tx1"/>
+                </a:solidFill>
+                <a:latin typeface="Calibri" pitchFamily="34" charset="0"/>
+                <a:ea typeface="+mn-ea"/>
+                <a:cs typeface="+mn-cs"/>
+              </a:defRPr>
+            </a:lvl4pPr>
+            <a:lvl5pPr marL="2057400" indent="-228600" algn="l" defTabSz="914400" rtl="0" eaLnBrk="1" latinLnBrk="1" hangingPunct="1">
+              <a:spcBef>
+                <a:spcPct val="20000"/>
+              </a:spcBef>
+              <a:buFont typeface="Arial" pitchFamily="34" charset="0"/>
+              <a:buChar char="»"/>
+              <a:defRPr sz="2000" kern="1200">
+                <a:solidFill>
+                  <a:schemeClr val="tx1"/>
+                </a:solidFill>
+                <a:latin typeface="Calibri" pitchFamily="34" charset="0"/>
+                <a:ea typeface="+mn-ea"/>
+                <a:cs typeface="+mn-cs"/>
+              </a:defRPr>
+            </a:lvl5pPr>
+            <a:lvl6pPr marL="2514600" indent="-228600" algn="l" defTabSz="914400" rtl="0" eaLnBrk="1" latinLnBrk="1" hangingPunct="1">
+              <a:spcBef>
+                <a:spcPct val="20000"/>
+              </a:spcBef>
+              <a:buFont typeface="Arial" pitchFamily="34" charset="0"/>
+              <a:buChar char="•"/>
+              <a:defRPr sz="2000" kern="1200">
+                <a:solidFill>
+                  <a:schemeClr val="tx1"/>
+                </a:solidFill>
+                <a:latin typeface="+mn-lt"/>
+                <a:ea typeface="+mn-ea"/>
+                <a:cs typeface="+mn-cs"/>
+              </a:defRPr>
+            </a:lvl6pPr>
+            <a:lvl7pPr marL="2971800" indent="-228600" algn="l" defTabSz="914400" rtl="0" eaLnBrk="1" latinLnBrk="1" hangingPunct="1">
+              <a:spcBef>
+                <a:spcPct val="20000"/>
+              </a:spcBef>
+              <a:buFont typeface="Arial" pitchFamily="34" charset="0"/>
+              <a:buChar char="•"/>
+              <a:defRPr sz="2000" kern="1200">
+                <a:solidFill>
+                  <a:schemeClr val="tx1"/>
+                </a:solidFill>
+                <a:latin typeface="+mn-lt"/>
+                <a:ea typeface="+mn-ea"/>
+                <a:cs typeface="+mn-cs"/>
+              </a:defRPr>
+            </a:lvl7pPr>
+            <a:lvl8pPr marL="3429000" indent="-228600" algn="l" defTabSz="914400" rtl="0" eaLnBrk="1" latinLnBrk="1" hangingPunct="1">
+              <a:spcBef>
+                <a:spcPct val="20000"/>
+              </a:spcBef>
+              <a:buFont typeface="Arial" pitchFamily="34" charset="0"/>
+              <a:buChar char="•"/>
+              <a:defRPr sz="2000" kern="1200">
+                <a:solidFill>
+                  <a:schemeClr val="tx1"/>
+                </a:solidFill>
+                <a:latin typeface="+mn-lt"/>
+                <a:ea typeface="+mn-ea"/>
+                <a:cs typeface="+mn-cs"/>
+              </a:defRPr>
+            </a:lvl8pPr>
+            <a:lvl9pPr marL="3886200" indent="-228600" algn="l" defTabSz="914400" rtl="0" eaLnBrk="1" latinLnBrk="1" hangingPunct="1">
+              <a:spcBef>
+                <a:spcPct val="20000"/>
+              </a:spcBef>
+              <a:buFont typeface="Arial" pitchFamily="34" charset="0"/>
+              <a:buChar char="•"/>
+              <a:defRPr sz="2000" kern="1200">
+                <a:solidFill>
+                  <a:schemeClr val="tx1"/>
+                </a:solidFill>
+                <a:latin typeface="+mn-lt"/>
+                <a:ea typeface="+mn-ea"/>
+                <a:cs typeface="+mn-cs"/>
+              </a:defRPr>
+            </a:lvl9pPr>
+          </a:lstStyle>
+          <a:p>
+            <a:pPr>
+              <a:lnSpc>
+                <a:spcPct val="60000"/>
+              </a:lnSpc>
+              <a:buFont typeface="Arial" pitchFamily="34" charset="0"/>
+              <a:buNone/>
+            </a:pPr>
+            <a:r>
+              <a:rPr lang="en-US" sz="1400"/>
+              <a:t>…$ </a:t>
+            </a:r>
+            <a:r>
+              <a:rPr lang="en-US" altLang="ko-KR" sz="1400" dirty="0" err="1">
+                <a:solidFill>
+                  <a:srgbClr val="FF0000"/>
+                </a:solidFill>
+              </a:rPr>
+              <a:t>crown</a:t>
+            </a:r>
+            <a:r>
+              <a:rPr lang="en-US" sz="1400" dirty="0" err="1">
+                <a:solidFill>
+                  <a:srgbClr val="FF0000"/>
+                </a:solidFill>
+              </a:rPr>
+              <a:t>_replay</a:t>
+            </a:r>
+            <a:r>
+              <a:rPr lang="en-US" sz="1400" dirty="0">
+                <a:solidFill>
+                  <a:srgbClr val="FF0000"/>
+                </a:solidFill>
+              </a:rPr>
+              <a:t> </a:t>
+            </a:r>
+            <a:r>
+              <a:rPr lang="en-US" sz="1400">
+                <a:solidFill>
+                  <a:srgbClr val="FF0000"/>
+                </a:solidFill>
+              </a:rPr>
+              <a:t>./triangle_</a:t>
+            </a:r>
+            <a:r>
+              <a:rPr lang="en-US" sz="1400" dirty="0" err="1">
+                <a:solidFill>
+                  <a:srgbClr val="FF0000"/>
+                </a:solidFill>
+              </a:rPr>
+              <a:t>replay</a:t>
+            </a:r>
+            <a:r>
+              <a:rPr lang="en-US" sz="1400" dirty="0">
+                <a:solidFill>
+                  <a:srgbClr val="FF0000"/>
+                </a:solidFill>
+              </a:rPr>
+              <a:t> -</a:t>
+            </a:r>
+            <a:r>
+              <a:rPr lang="en-US" sz="1400">
+                <a:solidFill>
+                  <a:srgbClr val="FF0000"/>
+                </a:solidFill>
+              </a:rPr>
+              <a:t>d tcs </a:t>
+            </a:r>
+            <a:r>
+              <a:rPr lang="en-US" sz="1400" dirty="0">
+                <a:solidFill>
+                  <a:srgbClr val="FF0000"/>
+                </a:solidFill>
+              </a:rPr>
+              <a:t>-s 5 -e 7  </a:t>
+            </a:r>
+          </a:p>
+          <a:p>
+            <a:pPr>
+              <a:lnSpc>
+                <a:spcPct val="60000"/>
+              </a:lnSpc>
+              <a:buNone/>
+            </a:pPr>
+            <a:r>
+              <a:rPr lang="en-US" sz="1400" dirty="0" err="1"/>
+              <a:t>a,b,c</a:t>
+            </a:r>
+            <a:r>
+              <a:rPr lang="en-US" sz="1400" dirty="0"/>
+              <a:t> = 1610612736,536870912,536870912</a:t>
+            </a:r>
+          </a:p>
+          <a:p>
+            <a:pPr>
+              <a:lnSpc>
+                <a:spcPct val="60000"/>
+              </a:lnSpc>
+              <a:buNone/>
+            </a:pPr>
+            <a:r>
+              <a:rPr lang="en-US" sz="1400" dirty="0"/>
+              <a:t>This triangle is not a triangle.</a:t>
+            </a:r>
+          </a:p>
+          <a:p>
+            <a:pPr>
+              <a:lnSpc>
+                <a:spcPct val="60000"/>
+              </a:lnSpc>
+              <a:buNone/>
+            </a:pPr>
+            <a:r>
+              <a:rPr lang="en-US" sz="1400" dirty="0"/>
+              <a:t>Iteration 5</a:t>
+            </a:r>
+          </a:p>
+          <a:p>
+            <a:pPr>
+              <a:lnSpc>
+                <a:spcPct val="60000"/>
+              </a:lnSpc>
+              <a:buNone/>
+            </a:pPr>
+            <a:r>
+              <a:rPr lang="en-US" sz="1400" dirty="0"/>
+              <a:t>-------------------------</a:t>
+            </a:r>
+          </a:p>
+          <a:p>
+            <a:pPr>
+              <a:lnSpc>
+                <a:spcPct val="60000"/>
+              </a:lnSpc>
+              <a:buNone/>
+            </a:pPr>
+            <a:r>
+              <a:rPr lang="en-US" sz="1400" dirty="0" err="1"/>
+              <a:t>a,b,c</a:t>
+            </a:r>
+            <a:r>
+              <a:rPr lang="en-US" sz="1400" dirty="0"/>
+              <a:t> = 1,2,2</a:t>
+            </a:r>
+          </a:p>
+          <a:p>
+            <a:pPr>
+              <a:lnSpc>
+                <a:spcPct val="60000"/>
+              </a:lnSpc>
+              <a:buNone/>
+            </a:pPr>
+            <a:r>
+              <a:rPr lang="en-US" sz="1400" dirty="0"/>
+              <a:t>This triangle is an </a:t>
+            </a:r>
+            <a:r>
+              <a:rPr lang="en-US" sz="1400" dirty="0" err="1"/>
+              <a:t>isoscele</a:t>
+            </a:r>
+            <a:r>
+              <a:rPr lang="en-US" sz="1400" dirty="0"/>
+              <a:t>.</a:t>
+            </a:r>
+          </a:p>
+          <a:p>
+            <a:pPr>
+              <a:lnSpc>
+                <a:spcPct val="60000"/>
+              </a:lnSpc>
+              <a:buNone/>
+            </a:pPr>
+            <a:r>
+              <a:rPr lang="en-US" sz="1400" dirty="0"/>
+              <a:t>Iteration 6</a:t>
+            </a:r>
+          </a:p>
+          <a:p>
+            <a:pPr>
+              <a:lnSpc>
+                <a:spcPct val="60000"/>
+              </a:lnSpc>
+              <a:buNone/>
+            </a:pPr>
+            <a:r>
+              <a:rPr lang="en-US" sz="1400" dirty="0"/>
+              <a:t>-------------------------</a:t>
+            </a:r>
+          </a:p>
+          <a:p>
+            <a:pPr>
+              <a:lnSpc>
+                <a:spcPct val="60000"/>
+              </a:lnSpc>
+              <a:buNone/>
+            </a:pPr>
+            <a:r>
+              <a:rPr lang="en-US" sz="1400" dirty="0" err="1"/>
+              <a:t>a,b,c</a:t>
+            </a:r>
+            <a:r>
+              <a:rPr lang="en-US" sz="1400" dirty="0"/>
+              <a:t> = 272629760,1346371584,809500672</a:t>
+            </a:r>
+          </a:p>
+          <a:p>
+            <a:pPr>
+              <a:lnSpc>
+                <a:spcPct val="60000"/>
+              </a:lnSpc>
+              <a:buNone/>
+            </a:pPr>
+            <a:r>
+              <a:rPr lang="en-US" sz="1400" dirty="0"/>
+              <a:t>This triangle is not a triangle.</a:t>
+            </a:r>
+          </a:p>
+          <a:p>
+            <a:pPr>
+              <a:lnSpc>
+                <a:spcPct val="60000"/>
+              </a:lnSpc>
+              <a:buNone/>
+            </a:pPr>
+            <a:r>
+              <a:rPr lang="en-US" sz="1400" dirty="0"/>
+              <a:t>Iteration 7</a:t>
+            </a:r>
+          </a:p>
+          <a:p>
+            <a:pPr>
+              <a:lnSpc>
+                <a:spcPct val="60000"/>
+              </a:lnSpc>
+              <a:buNone/>
+            </a:pPr>
+            <a:r>
+              <a:rPr lang="en-US" sz="1400" dirty="0"/>
+              <a:t>-------------------------</a:t>
+            </a:r>
+          </a:p>
+          <a:p>
+            <a:pPr>
+              <a:lnSpc>
+                <a:spcPct val="60000"/>
+              </a:lnSpc>
+              <a:buNone/>
+            </a:pPr>
+            <a:r>
+              <a:rPr lang="en-US" sz="1400" dirty="0"/>
+              <a:t>… $ </a:t>
+            </a:r>
+            <a:r>
+              <a:rPr lang="en-US" sz="1400" dirty="0" err="1">
+                <a:solidFill>
+                  <a:srgbClr val="FF0000"/>
+                </a:solidFill>
+              </a:rPr>
+              <a:t>gcov</a:t>
+            </a:r>
+            <a:r>
+              <a:rPr lang="en-US" sz="1400" dirty="0">
+                <a:solidFill>
+                  <a:srgbClr val="FF0000"/>
+                </a:solidFill>
+              </a:rPr>
+              <a:t> –b triangle-crown </a:t>
+            </a:r>
+          </a:p>
+          <a:p>
+            <a:pPr>
+              <a:lnSpc>
+                <a:spcPct val="60000"/>
+              </a:lnSpc>
+              <a:buNone/>
+            </a:pPr>
+            <a:r>
+              <a:rPr lang="en-US" sz="1400"/>
+              <a:t>File </a:t>
+            </a:r>
+            <a:r>
+              <a:rPr lang="en-US" sz="1400" dirty="0"/>
+              <a:t>'triangle-</a:t>
+            </a:r>
+            <a:r>
+              <a:rPr lang="en-US" sz="1400" dirty="0" err="1"/>
+              <a:t>crown.c</a:t>
+            </a:r>
+            <a:r>
+              <a:rPr lang="en-US" sz="1400" dirty="0"/>
+              <a:t>'</a:t>
+            </a:r>
+          </a:p>
+          <a:p>
+            <a:pPr>
+              <a:lnSpc>
+                <a:spcPct val="60000"/>
+              </a:lnSpc>
+              <a:buNone/>
+            </a:pPr>
+            <a:r>
+              <a:rPr lang="en-US" sz="1400" dirty="0"/>
+              <a:t>Lines executed:76.67% of 30</a:t>
+            </a:r>
+          </a:p>
+          <a:p>
+            <a:pPr>
+              <a:lnSpc>
+                <a:spcPct val="60000"/>
+              </a:lnSpc>
+              <a:buNone/>
+            </a:pPr>
+            <a:r>
+              <a:rPr lang="en-US" sz="1400" dirty="0"/>
+              <a:t>Branches executed:84.62% of 39</a:t>
+            </a:r>
+          </a:p>
+          <a:p>
+            <a:pPr>
+              <a:lnSpc>
+                <a:spcPct val="60000"/>
+              </a:lnSpc>
+              <a:buNone/>
+            </a:pPr>
+            <a:r>
+              <a:rPr lang="en-US" sz="1400" dirty="0"/>
+              <a:t>Taken at least once:53.85% of 39</a:t>
+            </a:r>
+          </a:p>
+          <a:p>
+            <a:pPr>
+              <a:lnSpc>
+                <a:spcPct val="60000"/>
+              </a:lnSpc>
+              <a:buNone/>
+            </a:pPr>
+            <a:r>
+              <a:rPr lang="en-US" sz="1400" dirty="0"/>
+              <a:t>Calls executed:50.00% of 10</a:t>
+            </a:r>
+          </a:p>
+          <a:p>
+            <a:pPr>
+              <a:lnSpc>
+                <a:spcPct val="60000"/>
+              </a:lnSpc>
+              <a:buNone/>
+            </a:pPr>
+            <a:r>
+              <a:rPr lang="en-US" sz="1400" dirty="0"/>
+              <a:t>Creating 'triangle-</a:t>
+            </a:r>
+            <a:r>
+              <a:rPr lang="en-US" sz="1400" dirty="0" err="1"/>
+              <a:t>crown.c.gcov</a:t>
+            </a:r>
+            <a:r>
+              <a:rPr lang="en-US" sz="1400" dirty="0"/>
+              <a:t>'</a:t>
+            </a:r>
+          </a:p>
+        </p:txBody>
+      </p:sp>
+    </p:spTree>
+    <p:extLst>
+      <p:ext uri="{BB962C8B-B14F-4D97-AF65-F5344CB8AC3E}">
+        <p14:creationId xmlns:p14="http://schemas.microsoft.com/office/powerpoint/2010/main" val="1924458865"/>
+      </p:ext>
+    </p:extLst>
   </p:cSld>
   <p:clrMapOvr>
     <a:masterClrMapping/>
@@ -21975,8 +22979,8 @@
         </p:nvSpPr>
         <p:spPr>
           <a:xfrm>
-            <a:off x="-1548680" y="-164560"/>
-            <a:ext cx="10801200" cy="857256"/>
+            <a:off x="-36512" y="-164560"/>
+            <a:ext cx="9289032" cy="857256"/>
           </a:xfrm>
         </p:spPr>
         <p:txBody>
@@ -21987,694 +22991,38 @@
           <a:p>
             <a:r>
               <a:rPr lang="en-US" sz="3600" dirty="0"/>
-              <a:t>Measure Branch </a:t>
-            </a:r>
-            <a:r>
-              <a:rPr lang="en-US" sz="3600"/>
-              <a:t>Coverage by</a:t>
+              <a:t>Measure Branch Coverage by</a:t>
+            </a:r>
+            <a:r>
+              <a:rPr lang="ko-KR" altLang="en-US" sz="3600" dirty="0"/>
+              <a:t> </a:t>
+            </a:r>
+            <a:r>
+              <a:rPr lang="en-US" altLang="ko-KR" sz="3600"/>
+              <a:t>Using</a:t>
             </a:r>
             <a:r>
               <a:rPr lang="ko-KR" altLang="en-US" sz="3600"/>
               <a:t> </a:t>
             </a:r>
             <a:r>
-              <a:rPr lang="en-US" altLang="ko-KR" sz="3600"/>
-              <a:t>Using</a:t>
-            </a:r>
-            <a:r>
-              <a:rPr lang="ko-KR" altLang="en-US" sz="3600"/>
-              <a:t> </a:t>
-            </a:r>
-            <a:r>
-              <a:rPr lang="en-US" altLang="ko-KR" sz="3600"/>
+              <a:rPr lang="en-US" altLang="ko-KR" sz="3600">
+                <a:latin typeface="Courier New" panose="02070309020205020404" pitchFamily="49" charset="0"/>
+                <a:cs typeface="Courier New" panose="02070309020205020404" pitchFamily="49" charset="0"/>
+              </a:rPr>
               <a:t>gcov</a:t>
             </a:r>
-            <a:endParaRPr lang="en-US" sz="3600" dirty="0"/>
-          </a:p>
-        </p:txBody>
-      </p:sp>
-      <p:sp>
-        <p:nvSpPr>
-          <p:cNvPr id="5" name="내용 개체 틀 4"/>
-          <p:cNvSpPr>
-            <a:spLocks noGrp="1"/>
-          </p:cNvSpPr>
-          <p:nvPr>
-            <p:ph sz="quarter" idx="13"/>
-          </p:nvPr>
-        </p:nvSpPr>
-        <p:spPr>
-          <a:xfrm>
-            <a:off x="142844" y="980728"/>
-            <a:ext cx="4069116" cy="2016224"/>
-          </a:xfrm>
-          <a:ln>
-            <a:solidFill>
-              <a:schemeClr val="tx1"/>
-            </a:solidFill>
-          </a:ln>
-        </p:spPr>
-        <p:txBody>
-          <a:bodyPr>
-            <a:noAutofit/>
-          </a:bodyPr>
-          <a:lstStyle/>
-          <a:p>
-            <a:pPr>
-              <a:lnSpc>
-                <a:spcPct val="60000"/>
-              </a:lnSpc>
-              <a:buNone/>
-            </a:pPr>
-            <a:r>
-              <a:rPr lang="en-US" sz="1400" dirty="0"/>
-              <a:t>…$ </a:t>
-            </a:r>
-            <a:r>
-              <a:rPr lang="en-US" sz="1400" dirty="0" err="1"/>
-              <a:t>crown_replay</a:t>
-            </a:r>
-            <a:endParaRPr lang="en-US" sz="1400" dirty="0"/>
-          </a:p>
-          <a:p>
-            <a:pPr>
-              <a:lnSpc>
-                <a:spcPct val="60000"/>
-              </a:lnSpc>
-              <a:buNone/>
-            </a:pPr>
-            <a:r>
-              <a:rPr lang="en-US" sz="1400" dirty="0"/>
-              <a:t>Usage : </a:t>
-            </a:r>
-            <a:r>
-              <a:rPr lang="en-US" sz="1400" dirty="0" err="1"/>
-              <a:t>crown_replay</a:t>
-            </a:r>
-            <a:r>
-              <a:rPr lang="en-US" sz="1400" dirty="0"/>
-              <a:t> &lt;PROGRAM_CMD&gt; [OPTION]...</a:t>
-            </a:r>
-          </a:p>
-          <a:p>
-            <a:pPr>
-              <a:lnSpc>
-                <a:spcPct val="60000"/>
-              </a:lnSpc>
-              <a:buNone/>
-            </a:pPr>
-            <a:r>
-              <a:rPr lang="en-US" sz="1400" dirty="0"/>
-              <a:t>Options:</a:t>
-            </a:r>
-          </a:p>
-          <a:p>
-            <a:pPr>
-              <a:lnSpc>
-                <a:spcPct val="60000"/>
-              </a:lnSpc>
-              <a:buNone/>
-            </a:pPr>
-            <a:r>
-              <a:rPr lang="en-US" sz="1400" dirty="0"/>
-              <a:t>    -d &lt;DIR&gt;  Use test inputs in the directory &lt;DIR&gt;.</a:t>
-            </a:r>
-          </a:p>
-          <a:p>
-            <a:pPr>
-              <a:lnSpc>
-                <a:spcPct val="60000"/>
-              </a:lnSpc>
-              <a:buNone/>
-            </a:pPr>
-            <a:r>
-              <a:rPr lang="en-US" sz="1400" dirty="0"/>
-              <a:t>                     (Default : </a:t>
-            </a:r>
-            <a:r>
-              <a:rPr lang="en-US" sz="1400" dirty="0" err="1"/>
-              <a:t>testdir</a:t>
-            </a:r>
-            <a:r>
-              <a:rPr lang="en-US" sz="1400" dirty="0"/>
-              <a:t>)</a:t>
-            </a:r>
-          </a:p>
-          <a:p>
-            <a:pPr>
-              <a:lnSpc>
-                <a:spcPct val="60000"/>
-              </a:lnSpc>
-              <a:buNone/>
-            </a:pPr>
-            <a:r>
-              <a:rPr lang="en-US" sz="1400" dirty="0"/>
-              <a:t>    -s &lt;ITER_START&gt;  </a:t>
-            </a:r>
-          </a:p>
-          <a:p>
-            <a:pPr>
-              <a:lnSpc>
-                <a:spcPct val="60000"/>
-              </a:lnSpc>
-              <a:buNone/>
-            </a:pPr>
-            <a:r>
-              <a:rPr lang="en-US" sz="1400" dirty="0"/>
-              <a:t>        Start the iteration from the &lt;ITER_START&gt;</a:t>
-            </a:r>
-            <a:r>
-              <a:rPr lang="en-US" sz="1400" dirty="0" err="1"/>
-              <a:t>th</a:t>
-            </a:r>
-            <a:r>
-              <a:rPr lang="en-US" sz="1400" dirty="0"/>
-              <a:t> test.</a:t>
-            </a:r>
-          </a:p>
-          <a:p>
-            <a:pPr>
-              <a:lnSpc>
-                <a:spcPct val="60000"/>
-              </a:lnSpc>
-              <a:buNone/>
-            </a:pPr>
-            <a:r>
-              <a:rPr lang="en-US" sz="1400" dirty="0"/>
-              <a:t>        (Default : 1)</a:t>
-            </a:r>
-          </a:p>
-          <a:p>
-            <a:pPr>
-              <a:lnSpc>
-                <a:spcPct val="60000"/>
-              </a:lnSpc>
-              <a:buNone/>
-            </a:pPr>
-            <a:r>
-              <a:rPr lang="en-US" sz="1400" dirty="0"/>
-              <a:t>    -e &lt;ITER_END&gt;  </a:t>
-            </a:r>
-          </a:p>
-          <a:p>
-            <a:pPr>
-              <a:lnSpc>
-                <a:spcPct val="60000"/>
-              </a:lnSpc>
-              <a:buNone/>
-            </a:pPr>
-            <a:r>
-              <a:rPr lang="en-US" sz="1400" dirty="0"/>
-              <a:t>        End the iteration to the &lt;ITER_END&gt;</a:t>
-            </a:r>
-            <a:r>
-              <a:rPr lang="en-US" sz="1400" dirty="0" err="1"/>
-              <a:t>th</a:t>
-            </a:r>
-            <a:r>
-              <a:rPr lang="en-US" sz="1400" dirty="0"/>
-              <a:t> test.</a:t>
-            </a:r>
-          </a:p>
-          <a:p>
-            <a:pPr>
-              <a:lnSpc>
-                <a:spcPct val="60000"/>
-              </a:lnSpc>
-              <a:buNone/>
-            </a:pPr>
-            <a:r>
-              <a:rPr lang="en-US" sz="1400" dirty="0"/>
-              <a:t>        (Default : # of test inputs in &lt;DIR&gt;) </a:t>
-            </a:r>
-          </a:p>
-        </p:txBody>
-      </p:sp>
-      <p:sp>
-        <p:nvSpPr>
-          <p:cNvPr id="6" name="내용 개체 틀 4"/>
-          <p:cNvSpPr txBox="1">
-            <a:spLocks/>
-          </p:cNvSpPr>
-          <p:nvPr/>
-        </p:nvSpPr>
-        <p:spPr>
-          <a:xfrm>
-            <a:off x="4427984" y="476672"/>
-            <a:ext cx="4680520" cy="2880320"/>
-          </a:xfrm>
-          <a:prstGeom prst="rect">
-            <a:avLst/>
-          </a:prstGeom>
-          <a:ln>
-            <a:solidFill>
-              <a:schemeClr val="tx1"/>
-            </a:solidFill>
-          </a:ln>
-        </p:spPr>
-        <p:txBody>
-          <a:bodyPr vert="horz" lIns="91440" tIns="45720" rIns="91440" bIns="45720" rtlCol="0">
-            <a:noAutofit/>
-          </a:bodyPr>
-          <a:lstStyle>
-            <a:lvl1pPr marL="342900" indent="-342900" algn="l" defTabSz="914400" rtl="0" eaLnBrk="1" latinLnBrk="1" hangingPunct="1">
-              <a:spcBef>
-                <a:spcPct val="20000"/>
-              </a:spcBef>
-              <a:buFont typeface="Arial" pitchFamily="34" charset="0"/>
-              <a:buChar char="•"/>
-              <a:defRPr sz="3200" kern="1200">
-                <a:solidFill>
-                  <a:schemeClr val="tx1"/>
-                </a:solidFill>
-                <a:latin typeface="Calibri" pitchFamily="34" charset="0"/>
-                <a:ea typeface="+mn-ea"/>
-                <a:cs typeface="+mn-cs"/>
-              </a:defRPr>
-            </a:lvl1pPr>
-            <a:lvl2pPr marL="742950" indent="-285750" algn="l" defTabSz="914400" rtl="0" eaLnBrk="1" latinLnBrk="1" hangingPunct="1">
-              <a:spcBef>
-                <a:spcPct val="20000"/>
-              </a:spcBef>
-              <a:buFont typeface="Arial" pitchFamily="34" charset="0"/>
-              <a:buChar char="–"/>
-              <a:defRPr sz="2800" kern="1200">
-                <a:solidFill>
-                  <a:schemeClr val="tx1"/>
-                </a:solidFill>
-                <a:latin typeface="Calibri" pitchFamily="34" charset="0"/>
-                <a:ea typeface="+mn-ea"/>
-                <a:cs typeface="+mn-cs"/>
-              </a:defRPr>
-            </a:lvl2pPr>
-            <a:lvl3pPr marL="1143000" indent="-228600" algn="l" defTabSz="914400" rtl="0" eaLnBrk="1" latinLnBrk="1" hangingPunct="1">
-              <a:spcBef>
-                <a:spcPct val="20000"/>
-              </a:spcBef>
-              <a:buFont typeface="Arial" pitchFamily="34" charset="0"/>
-              <a:buChar char="•"/>
-              <a:defRPr sz="2400" kern="1200">
-                <a:solidFill>
-                  <a:schemeClr val="tx1"/>
-                </a:solidFill>
-                <a:latin typeface="Calibri" pitchFamily="34" charset="0"/>
-                <a:ea typeface="+mn-ea"/>
-                <a:cs typeface="+mn-cs"/>
-              </a:defRPr>
-            </a:lvl3pPr>
-            <a:lvl4pPr marL="1600200" indent="-228600" algn="l" defTabSz="914400" rtl="0" eaLnBrk="1" latinLnBrk="1" hangingPunct="1">
-              <a:spcBef>
-                <a:spcPct val="20000"/>
-              </a:spcBef>
-              <a:buFont typeface="Arial" pitchFamily="34" charset="0"/>
-              <a:buChar char="–"/>
-              <a:defRPr sz="2000" kern="1200">
-                <a:solidFill>
-                  <a:schemeClr val="tx1"/>
-                </a:solidFill>
-                <a:latin typeface="Calibri" pitchFamily="34" charset="0"/>
-                <a:ea typeface="+mn-ea"/>
-                <a:cs typeface="+mn-cs"/>
-              </a:defRPr>
-            </a:lvl4pPr>
-            <a:lvl5pPr marL="2057400" indent="-228600" algn="l" defTabSz="914400" rtl="0" eaLnBrk="1" latinLnBrk="1" hangingPunct="1">
-              <a:spcBef>
-                <a:spcPct val="20000"/>
-              </a:spcBef>
-              <a:buFont typeface="Arial" pitchFamily="34" charset="0"/>
-              <a:buChar char="»"/>
-              <a:defRPr sz="2000" kern="1200">
-                <a:solidFill>
-                  <a:schemeClr val="tx1"/>
-                </a:solidFill>
-                <a:latin typeface="Calibri" pitchFamily="34" charset="0"/>
-                <a:ea typeface="+mn-ea"/>
-                <a:cs typeface="+mn-cs"/>
-              </a:defRPr>
-            </a:lvl5pPr>
-            <a:lvl6pPr marL="2514600" indent="-228600" algn="l" defTabSz="914400" rtl="0" eaLnBrk="1" latinLnBrk="1" hangingPunct="1">
-              <a:spcBef>
-                <a:spcPct val="20000"/>
-              </a:spcBef>
-              <a:buFont typeface="Arial" pitchFamily="34" charset="0"/>
-              <a:buChar char="•"/>
-              <a:defRPr sz="2000" kern="1200">
-                <a:solidFill>
-                  <a:schemeClr val="tx1"/>
-                </a:solidFill>
-                <a:latin typeface="+mn-lt"/>
-                <a:ea typeface="+mn-ea"/>
-                <a:cs typeface="+mn-cs"/>
-              </a:defRPr>
-            </a:lvl6pPr>
-            <a:lvl7pPr marL="2971800" indent="-228600" algn="l" defTabSz="914400" rtl="0" eaLnBrk="1" latinLnBrk="1" hangingPunct="1">
-              <a:spcBef>
-                <a:spcPct val="20000"/>
-              </a:spcBef>
-              <a:buFont typeface="Arial" pitchFamily="34" charset="0"/>
-              <a:buChar char="•"/>
-              <a:defRPr sz="2000" kern="1200">
-                <a:solidFill>
-                  <a:schemeClr val="tx1"/>
-                </a:solidFill>
-                <a:latin typeface="+mn-lt"/>
-                <a:ea typeface="+mn-ea"/>
-                <a:cs typeface="+mn-cs"/>
-              </a:defRPr>
-            </a:lvl7pPr>
-            <a:lvl8pPr marL="3429000" indent="-228600" algn="l" defTabSz="914400" rtl="0" eaLnBrk="1" latinLnBrk="1" hangingPunct="1">
-              <a:spcBef>
-                <a:spcPct val="20000"/>
-              </a:spcBef>
-              <a:buFont typeface="Arial" pitchFamily="34" charset="0"/>
-              <a:buChar char="•"/>
-              <a:defRPr sz="2000" kern="1200">
-                <a:solidFill>
-                  <a:schemeClr val="tx1"/>
-                </a:solidFill>
-                <a:latin typeface="+mn-lt"/>
-                <a:ea typeface="+mn-ea"/>
-                <a:cs typeface="+mn-cs"/>
-              </a:defRPr>
-            </a:lvl8pPr>
-            <a:lvl9pPr marL="3886200" indent="-228600" algn="l" defTabSz="914400" rtl="0" eaLnBrk="1" latinLnBrk="1" hangingPunct="1">
-              <a:spcBef>
-                <a:spcPct val="20000"/>
-              </a:spcBef>
-              <a:buFont typeface="Arial" pitchFamily="34" charset="0"/>
-              <a:buChar char="•"/>
-              <a:defRPr sz="2000" kern="1200">
-                <a:solidFill>
-                  <a:schemeClr val="tx1"/>
-                </a:solidFill>
-                <a:latin typeface="+mn-lt"/>
-                <a:ea typeface="+mn-ea"/>
-                <a:cs typeface="+mn-cs"/>
-              </a:defRPr>
-            </a:lvl9pPr>
-          </a:lstStyle>
-          <a:p>
-            <a:pPr>
-              <a:lnSpc>
-                <a:spcPct val="60000"/>
-              </a:lnSpc>
-              <a:buNone/>
-            </a:pPr>
-            <a:r>
-              <a:rPr lang="en-US" sz="1400" dirty="0"/>
-              <a:t>…$ </a:t>
-            </a:r>
-            <a:r>
-              <a:rPr lang="en-US" sz="1400" err="1">
-                <a:solidFill>
-                  <a:srgbClr val="FF0000"/>
-                </a:solidFill>
-              </a:rPr>
-              <a:t>cp</a:t>
-            </a:r>
-            <a:r>
-              <a:rPr lang="en-US" sz="1400">
-                <a:solidFill>
-                  <a:srgbClr val="FF0000"/>
-                </a:solidFill>
-              </a:rPr>
-              <a:t> tcs/</a:t>
-            </a:r>
-            <a:r>
-              <a:rPr lang="en-US" sz="1400" dirty="0">
-                <a:solidFill>
-                  <a:srgbClr val="FF0000"/>
-                </a:solidFill>
-              </a:rPr>
-              <a:t>input.</a:t>
-            </a:r>
-            <a:r>
-              <a:rPr lang="en-US" sz="1400">
-                <a:solidFill>
-                  <a:srgbClr val="FF0000"/>
-                </a:solidFill>
-              </a:rPr>
-              <a:t>4 input .</a:t>
-            </a:r>
-          </a:p>
-          <a:p>
-            <a:pPr>
-              <a:lnSpc>
-                <a:spcPct val="60000"/>
-              </a:lnSpc>
-              <a:buNone/>
-            </a:pPr>
-            <a:r>
-              <a:rPr lang="en-US" altLang="ko-KR" sz="1400"/>
-              <a:t>…$ </a:t>
-            </a:r>
-            <a:r>
-              <a:rPr lang="en-US" altLang="ko-KR" sz="1400">
-                <a:solidFill>
-                  <a:srgbClr val="FF0000"/>
-                </a:solidFill>
-              </a:rPr>
-              <a:t>cp tcs/type.4 type .</a:t>
-            </a:r>
-          </a:p>
-          <a:p>
-            <a:pPr>
-              <a:lnSpc>
-                <a:spcPct val="60000"/>
-              </a:lnSpc>
-              <a:buNone/>
-            </a:pPr>
-            <a:r>
-              <a:rPr lang="en-US" sz="1400"/>
-              <a:t>…$ </a:t>
-            </a:r>
-            <a:r>
-              <a:rPr lang="en-US" sz="1400">
-                <a:solidFill>
-                  <a:srgbClr val="FF0000"/>
-                </a:solidFill>
-              </a:rPr>
-              <a:t>./triangle_</a:t>
-            </a:r>
-            <a:r>
-              <a:rPr lang="en-US" sz="1400" dirty="0" err="1">
-                <a:solidFill>
-                  <a:srgbClr val="FF0000"/>
-                </a:solidFill>
-              </a:rPr>
-              <a:t>replay</a:t>
-            </a:r>
-            <a:endParaRPr lang="en-US" sz="1400" dirty="0">
-              <a:solidFill>
-                <a:srgbClr val="FF0000"/>
-              </a:solidFill>
+            <a:r>
+              <a:rPr lang="en-US" altLang="ko-KR" sz="3600">
+                <a:ea typeface="Calibri" panose="020F0502020204030204" pitchFamily="34" charset="0"/>
+                <a:cs typeface="Calibri" panose="020F0502020204030204" pitchFamily="34" charset="0"/>
+              </a:rPr>
+              <a:t> (2/2)</a:t>
+            </a:r>
+            <a:endParaRPr lang="en-US" sz="3600" dirty="0">
+              <a:latin typeface="Courier New" panose="02070309020205020404" pitchFamily="49" charset="0"/>
+              <a:cs typeface="Courier New" panose="02070309020205020404" pitchFamily="49" charset="0"/>
             </a:endParaRPr>
-          </a:p>
-          <a:p>
-            <a:pPr>
-              <a:lnSpc>
-                <a:spcPct val="60000"/>
-              </a:lnSpc>
-              <a:buNone/>
-            </a:pPr>
-            <a:r>
-              <a:rPr lang="en-US" sz="1400" dirty="0" err="1"/>
-              <a:t>a,b,c</a:t>
-            </a:r>
-            <a:r>
-              <a:rPr lang="en-US" sz="1400" dirty="0"/>
-              <a:t> = 2,1,2</a:t>
-            </a:r>
-          </a:p>
-          <a:p>
-            <a:pPr>
-              <a:lnSpc>
-                <a:spcPct val="60000"/>
-              </a:lnSpc>
-              <a:buNone/>
-            </a:pPr>
-            <a:r>
-              <a:rPr lang="en-US" sz="1400" dirty="0"/>
-              <a:t>This triangle is an </a:t>
-            </a:r>
-            <a:r>
-              <a:rPr lang="en-US" sz="1400" dirty="0" err="1"/>
-              <a:t>isoscele</a:t>
-            </a:r>
-            <a:r>
-              <a:rPr lang="en-US" sz="1400" dirty="0"/>
-              <a:t>. </a:t>
-            </a:r>
-          </a:p>
-          <a:p>
-            <a:pPr>
-              <a:lnSpc>
-                <a:spcPct val="60000"/>
-              </a:lnSpc>
-              <a:buNone/>
-            </a:pPr>
-            <a:r>
-              <a:rPr lang="en-US" sz="1400"/>
-              <a:t>…$ </a:t>
-            </a:r>
-            <a:r>
-              <a:rPr lang="en-US" sz="1400" dirty="0" err="1">
-                <a:solidFill>
-                  <a:srgbClr val="FF0000"/>
-                </a:solidFill>
-              </a:rPr>
-              <a:t>gcov</a:t>
-            </a:r>
-            <a:r>
-              <a:rPr lang="en-US" sz="1400" dirty="0">
-                <a:solidFill>
-                  <a:srgbClr val="FF0000"/>
-                </a:solidFill>
-              </a:rPr>
-              <a:t> -</a:t>
-            </a:r>
-            <a:r>
-              <a:rPr lang="en-US" sz="1400">
-                <a:solidFill>
-                  <a:srgbClr val="FF0000"/>
-                </a:solidFill>
-              </a:rPr>
-              <a:t>b -f triangle </a:t>
-            </a:r>
-            <a:endParaRPr lang="en-US" sz="1400" dirty="0">
-              <a:solidFill>
-                <a:srgbClr val="FF0000"/>
-              </a:solidFill>
-            </a:endParaRPr>
-          </a:p>
-          <a:p>
-            <a:pPr>
-              <a:lnSpc>
-                <a:spcPct val="60000"/>
-              </a:lnSpc>
-              <a:buNone/>
-            </a:pPr>
-            <a:r>
-              <a:rPr lang="en-US" sz="1400"/>
-              <a:t>Function 'triangle'</a:t>
-            </a:r>
-          </a:p>
-          <a:p>
-            <a:pPr>
-              <a:lnSpc>
-                <a:spcPct val="60000"/>
-              </a:lnSpc>
-              <a:buNone/>
-            </a:pPr>
-            <a:r>
-              <a:rPr lang="en-US" sz="1400"/>
-              <a:t>Lines executed:61.90% of 21</a:t>
-            </a:r>
-          </a:p>
-          <a:p>
-            <a:pPr>
-              <a:lnSpc>
-                <a:spcPct val="60000"/>
-              </a:lnSpc>
-              <a:buNone/>
-            </a:pPr>
-            <a:r>
-              <a:rPr lang="en-US" sz="1400"/>
-              <a:t>Branches executed:61.54% of 26</a:t>
-            </a:r>
-          </a:p>
-          <a:p>
-            <a:pPr>
-              <a:lnSpc>
-                <a:spcPct val="60000"/>
-              </a:lnSpc>
-              <a:buNone/>
-            </a:pPr>
-            <a:r>
-              <a:rPr lang="en-US" sz="1400"/>
-              <a:t>Taken at least once:42.31% of 26</a:t>
-            </a:r>
-          </a:p>
-          <a:p>
-            <a:pPr>
-              <a:lnSpc>
-                <a:spcPct val="60000"/>
-              </a:lnSpc>
-              <a:buNone/>
-            </a:pPr>
-            <a:r>
-              <a:rPr lang="en-US" sz="1400"/>
-              <a:t>No calls</a:t>
-            </a:r>
-          </a:p>
-          <a:p>
-            <a:pPr>
-              <a:lnSpc>
-                <a:spcPct val="60000"/>
-              </a:lnSpc>
-              <a:buNone/>
-            </a:pPr>
-            <a:endParaRPr lang="en-US" sz="1400"/>
-          </a:p>
-          <a:p>
-            <a:pPr>
-              <a:lnSpc>
-                <a:spcPct val="60000"/>
-              </a:lnSpc>
-              <a:buNone/>
-            </a:pPr>
-            <a:r>
-              <a:rPr lang="en-US" sz="1400"/>
-              <a:t>File 'triangle.c'</a:t>
-            </a:r>
-          </a:p>
-          <a:p>
-            <a:pPr>
-              <a:lnSpc>
-                <a:spcPct val="60000"/>
-              </a:lnSpc>
-              <a:buNone/>
-            </a:pPr>
-            <a:r>
-              <a:rPr lang="en-US" sz="1400"/>
-              <a:t>Lines executed:68.75% of 32</a:t>
-            </a:r>
-          </a:p>
-          <a:p>
-            <a:pPr>
-              <a:lnSpc>
-                <a:spcPct val="60000"/>
-              </a:lnSpc>
-              <a:buNone/>
-            </a:pPr>
-            <a:r>
-              <a:rPr lang="en-US" sz="1400"/>
-              <a:t>Branches executed:69.23% of 39</a:t>
-            </a:r>
-          </a:p>
-          <a:p>
-            <a:pPr>
-              <a:lnSpc>
-                <a:spcPct val="60000"/>
-              </a:lnSpc>
-              <a:buNone/>
-            </a:pPr>
-            <a:r>
-              <a:rPr lang="en-US" sz="1400"/>
-              <a:t>Taken at least once:41.03% of 39</a:t>
-            </a:r>
-          </a:p>
-          <a:p>
-            <a:pPr>
-              <a:lnSpc>
-                <a:spcPct val="60000"/>
-              </a:lnSpc>
-              <a:buNone/>
-            </a:pPr>
-            <a:r>
-              <a:rPr lang="en-US" sz="1400"/>
-              <a:t>Calls executed:54.55% of 11</a:t>
-            </a:r>
           </a:p>
         </p:txBody>
       </p:sp>
@@ -22688,8 +23036,8 @@
         </p:nvSpPr>
         <p:spPr>
           <a:xfrm>
-            <a:off x="142844" y="3140968"/>
-            <a:ext cx="4069116" cy="2856380"/>
+            <a:off x="172354" y="697499"/>
+            <a:ext cx="8720125" cy="2856380"/>
           </a:xfrm>
           <a:prstGeom prst="rect">
             <a:avLst/>
@@ -22838,668 +23186,172 @@
           </a:lstStyle>
           <a:p>
             <a:r>
-              <a:rPr lang="en-US" altLang="ko-KR" sz="1600" dirty="0" err="1">
+              <a:rPr lang="en-US" altLang="ko-KR" sz="1800"/>
+              <a:t>To correctly measure branch coverage of a target program, you should make </a:t>
+            </a:r>
+            <a:r>
+              <a:rPr lang="en-US" altLang="ko-KR" sz="1800">
                 <a:latin typeface="Courier New" panose="02070309020205020404" pitchFamily="49" charset="0"/>
                 <a:cs typeface="Courier New" panose="02070309020205020404" pitchFamily="49" charset="0"/>
               </a:rPr>
-              <a:t>crownc</a:t>
-            </a:r>
-            <a:r>
-              <a:rPr lang="en-US" altLang="ko-KR" sz="1600" dirty="0"/>
-              <a:t> generates </a:t>
-            </a:r>
-            <a:r>
-              <a:rPr lang="en-US" altLang="ko-KR" sz="1600" dirty="0">
+              <a:t>SYM_assume()</a:t>
+            </a:r>
+            <a:r>
+              <a:rPr lang="en-US" altLang="ko-KR" sz="1800"/>
+              <a:t> </a:t>
+            </a:r>
+            <a:r>
+              <a:rPr lang="en-US" altLang="ko-KR" sz="1800">
+                <a:solidFill>
+                  <a:srgbClr val="00B050"/>
+                </a:solidFill>
+              </a:rPr>
+              <a:t>ineffective</a:t>
+            </a:r>
+            <a:r>
+              <a:rPr lang="en-US" altLang="ko-KR" sz="1800"/>
+              <a:t>, since </a:t>
+            </a:r>
+            <a:r>
+              <a:rPr lang="en-US" altLang="ko-KR" sz="1800">
                 <a:latin typeface="Courier New" panose="02070309020205020404" pitchFamily="49" charset="0"/>
                 <a:cs typeface="Courier New" panose="02070309020205020404" pitchFamily="49" charset="0"/>
               </a:rPr>
-              <a:t>&lt;target&gt;_replay </a:t>
-            </a:r>
-            <a:r>
-              <a:rPr lang="en-US" altLang="ko-KR" sz="1600" dirty="0"/>
-              <a:t>which is an original target program (i.e., conditional </a:t>
-            </a:r>
-            <a:r>
-              <a:rPr lang="en-US" altLang="ko-KR" sz="1600" dirty="0" err="1"/>
-              <a:t>stmts</a:t>
-            </a:r>
-            <a:r>
-              <a:rPr lang="en-US" altLang="ko-KR" sz="1600" dirty="0"/>
-              <a:t> </a:t>
-            </a:r>
-            <a:r>
-              <a:rPr lang="en-US" altLang="ko-KR" sz="1600" i="1" dirty="0"/>
-              <a:t>not</a:t>
-            </a:r>
-            <a:r>
-              <a:rPr lang="en-US" altLang="ko-KR" sz="1600" dirty="0"/>
-              <a:t> transformed, symbolic execution </a:t>
-            </a:r>
-            <a:r>
-              <a:rPr lang="en-US" altLang="ko-KR" sz="1600" i="1" dirty="0"/>
-              <a:t>not </a:t>
-            </a:r>
-            <a:r>
-              <a:rPr lang="en-US" altLang="ko-KR" sz="1600" dirty="0"/>
-              <a:t>extracted) that can read TCs generated by CROWN</a:t>
-            </a:r>
-          </a:p>
-          <a:p>
-            <a:pPr lvl="1"/>
-            <a:r>
-              <a:rPr lang="en-US" altLang="ko-KR" sz="1400" dirty="0"/>
-              <a:t>Ex&gt; </a:t>
-            </a:r>
-            <a:r>
-              <a:rPr lang="en-US" altLang="ko-KR" sz="1400" dirty="0" err="1">
+              <a:t>SYM_assume(exp) </a:t>
+            </a:r>
+            <a:r>
+              <a:rPr lang="en-US" altLang="ko-KR" sz="1800"/>
+              <a:t>adds additional branches to a target program to check if </a:t>
+            </a:r>
+            <a:r>
+              <a:rPr lang="en-US" altLang="ko-KR" sz="1800">
                 <a:latin typeface="Courier New" panose="02070309020205020404" pitchFamily="49" charset="0"/>
                 <a:cs typeface="Courier New" panose="02070309020205020404" pitchFamily="49" charset="0"/>
               </a:rPr>
-              <a:t>triangle_replay</a:t>
-            </a:r>
-            <a:endParaRPr lang="en-US" altLang="ko-KR" sz="1400" dirty="0">
+              <a:t>exp </a:t>
+            </a:r>
+            <a:r>
+              <a:rPr lang="en-US" altLang="ko-KR" sz="1800"/>
+              <a:t>is true or not.</a:t>
+            </a:r>
+          </a:p>
+          <a:p>
+            <a:endParaRPr lang="en-US" altLang="ko-KR" sz="1800"/>
+          </a:p>
+          <a:p>
+            <a:r>
+              <a:rPr lang="en-US" altLang="ko-KR" sz="1800"/>
+              <a:t>You can make </a:t>
+            </a:r>
+            <a:r>
+              <a:rPr lang="en-US" altLang="ko-KR" sz="1800">
+                <a:latin typeface="Courier New" panose="02070309020205020404" pitchFamily="49" charset="0"/>
+                <a:cs typeface="Courier New" panose="02070309020205020404" pitchFamily="49" charset="0"/>
+              </a:rPr>
+              <a:t>SYM_assume()</a:t>
+            </a:r>
+            <a:r>
+              <a:rPr lang="en-US" altLang="ko-KR" sz="1800"/>
+              <a:t> ineffective by using the following directives in a concolic testing driver code:</a:t>
+            </a:r>
+          </a:p>
+          <a:p>
+            <a:pPr marL="0" indent="0">
+              <a:buNone/>
+            </a:pPr>
+            <a:r>
+              <a:rPr lang="en-US" altLang="ko-KR" sz="1800">
+                <a:latin typeface="Courier New" panose="02070309020205020404" pitchFamily="49" charset="0"/>
+                <a:cs typeface="Courier New" panose="02070309020205020404" pitchFamily="49" charset="0"/>
+              </a:rPr>
+              <a:t>	#ifndef CROWN_REPLAY</a:t>
+            </a:r>
+          </a:p>
+          <a:p>
+            <a:pPr marL="0" indent="0">
+              <a:buNone/>
+            </a:pPr>
+            <a:r>
+              <a:rPr lang="en-US" altLang="ko-KR" sz="1800">
+                <a:latin typeface="Courier New" panose="02070309020205020404" pitchFamily="49" charset="0"/>
+                <a:cs typeface="Courier New" panose="02070309020205020404" pitchFamily="49" charset="0"/>
+              </a:rPr>
+              <a:t>	  SYM_assume(...);</a:t>
+            </a:r>
+          </a:p>
+          <a:p>
+            <a:pPr marL="0" indent="0">
+              <a:buNone/>
+            </a:pPr>
+            <a:r>
+              <a:rPr lang="en-US" altLang="ko-KR" sz="1800">
+                <a:latin typeface="Courier New" panose="02070309020205020404" pitchFamily="49" charset="0"/>
+                <a:cs typeface="Courier New" panose="02070309020205020404" pitchFamily="49" charset="0"/>
+              </a:rPr>
+              <a:t>	#endif</a:t>
+            </a:r>
+          </a:p>
+          <a:p>
+            <a:pPr marL="0" indent="0">
+              <a:buNone/>
+            </a:pPr>
+            <a:endParaRPr lang="en-US" altLang="ko-KR" sz="1800">
               <a:latin typeface="Courier New" panose="02070309020205020404" pitchFamily="49" charset="0"/>
               <a:cs typeface="Courier New" panose="02070309020205020404" pitchFamily="49" charset="0"/>
             </a:endParaRPr>
           </a:p>
           <a:p>
             <a:r>
-              <a:rPr lang="en-US" altLang="ko-KR" sz="1600" dirty="0">
+              <a:rPr lang="en-US" altLang="ko-KR" sz="1800">
+                <a:ea typeface="Calibri" panose="020F0502020204030204" pitchFamily="34" charset="0"/>
+                <a:cs typeface="Calibri" panose="020F0502020204030204" pitchFamily="34" charset="0"/>
+              </a:rPr>
+              <a:t>Note that </a:t>
+            </a:r>
+            <a:r>
+              <a:rPr lang="en-US" altLang="ko-KR" sz="1800">
                 <a:latin typeface="Courier New" panose="02070309020205020404" pitchFamily="49" charset="0"/>
+                <a:ea typeface="Calibri" panose="020F0502020204030204" pitchFamily="34" charset="0"/>
                 <a:cs typeface="Courier New" panose="02070309020205020404" pitchFamily="49" charset="0"/>
               </a:rPr>
+              <a:t>crownc</a:t>
+            </a:r>
+            <a:r>
+              <a:rPr lang="en-US" altLang="ko-KR" sz="1800">
+                <a:ea typeface="Calibri" panose="020F0502020204030204" pitchFamily="34" charset="0"/>
+                <a:cs typeface="Calibri" panose="020F0502020204030204" pitchFamily="34" charset="0"/>
+              </a:rPr>
+              <a:t> builds </a:t>
+            </a:r>
+            <a:r>
+              <a:rPr lang="en-US" altLang="ko-KR" sz="1800">
+                <a:latin typeface="Courier New" panose="02070309020205020404" pitchFamily="49" charset="0"/>
+                <a:ea typeface="Calibri" panose="020F0502020204030204" pitchFamily="34" charset="0"/>
+                <a:cs typeface="Courier New" panose="02070309020205020404" pitchFamily="49" charset="0"/>
+              </a:rPr>
               <a:t>&lt;target&gt;_replay </a:t>
             </a:r>
             <a:r>
-              <a:rPr lang="en-US" altLang="ko-KR" sz="1600" dirty="0">
+              <a:rPr lang="en-US" altLang="ko-KR" sz="1800">
+                <a:ea typeface="Calibri" panose="020F0502020204030204" pitchFamily="34" charset="0"/>
                 <a:cs typeface="Calibri" panose="020F0502020204030204" pitchFamily="34" charset="0"/>
               </a:rPr>
-              <a:t>reads</a:t>
-            </a:r>
-            <a:r>
-              <a:rPr lang="en-US" altLang="ko-KR" sz="1600" dirty="0">
+              <a:t>binary file  with </a:t>
+            </a:r>
+            <a:r>
+              <a:rPr lang="en-US" altLang="ko-KR" sz="1800">
                 <a:latin typeface="Courier New" panose="02070309020205020404" pitchFamily="49" charset="0"/>
+                <a:ea typeface="Calibri" panose="020F0502020204030204" pitchFamily="34" charset="0"/>
                 <a:cs typeface="Courier New" panose="02070309020205020404" pitchFamily="49" charset="0"/>
               </a:rPr>
-              <a:t> “input” </a:t>
-            </a:r>
-            <a:r>
-              <a:rPr lang="en-US" altLang="ko-KR" sz="1600" dirty="0">
+              <a:t>-DCROWN_REPLAY</a:t>
+            </a:r>
+            <a:r>
+              <a:rPr lang="en-US" altLang="ko-KR" sz="1800">
+                <a:ea typeface="Calibri" panose="020F0502020204030204" pitchFamily="34" charset="0"/>
                 <a:cs typeface="Calibri" panose="020F0502020204030204" pitchFamily="34" charset="0"/>
               </a:rPr>
-              <a:t>file</a:t>
-            </a:r>
-            <a:r>
-              <a:rPr lang="en-US" altLang="ko-KR" sz="1600" dirty="0">
-                <a:latin typeface="Courier New" panose="02070309020205020404" pitchFamily="49" charset="0"/>
-                <a:cs typeface="Courier New" panose="02070309020205020404" pitchFamily="49" charset="0"/>
-              </a:rPr>
-              <a:t> </a:t>
-            </a:r>
-            <a:r>
-              <a:rPr lang="en-US" altLang="ko-KR" sz="1600" dirty="0">
-                <a:cs typeface="Calibri" panose="020F0502020204030204" pitchFamily="34" charset="0"/>
-              </a:rPr>
-              <a:t>in the same directory to replay  </a:t>
-            </a:r>
-          </a:p>
-          <a:p>
-            <a:r>
-              <a:rPr lang="en-US" altLang="ko-KR" sz="1600" dirty="0" err="1">
-                <a:latin typeface="Courier New" panose="02070309020205020404" pitchFamily="49" charset="0"/>
-                <a:cs typeface="Courier New" panose="02070309020205020404" pitchFamily="49" charset="0"/>
-              </a:rPr>
-              <a:t>crown_replay</a:t>
-            </a:r>
-            <a:r>
-              <a:rPr lang="en-US" altLang="ko-KR" sz="1600" dirty="0"/>
-              <a:t> replays </a:t>
-            </a:r>
-            <a:r>
-              <a:rPr lang="en-US" altLang="ko-KR" sz="1600" dirty="0">
-                <a:latin typeface="Courier New" panose="02070309020205020404" pitchFamily="49" charset="0"/>
-                <a:cs typeface="Courier New" panose="02070309020205020404" pitchFamily="49" charset="0"/>
-              </a:rPr>
-              <a:t>&lt;target&gt;_replay </a:t>
-            </a:r>
-            <a:r>
-              <a:rPr lang="en-US" altLang="ko-KR" sz="1600" dirty="0"/>
-              <a:t>to measure branch coverage of the original target program with TCs in &lt;DIR&gt; generated by CROWN</a:t>
-            </a:r>
-          </a:p>
-          <a:p>
-            <a:endParaRPr lang="ko-KR" altLang="en-US" sz="1600" dirty="0"/>
-          </a:p>
-        </p:txBody>
-      </p:sp>
-      <p:sp>
-        <p:nvSpPr>
-          <p:cNvPr id="3" name="내용 개체 틀 4">
-            <a:extLst>
-              <a:ext uri="{FF2B5EF4-FFF2-40B4-BE49-F238E27FC236}">
-                <a16:creationId xmlns:a16="http://schemas.microsoft.com/office/drawing/2014/main" id="{96C12EA6-75D6-E423-7B8E-337B467802CD}"/>
-              </a:ext>
-            </a:extLst>
-          </p:cNvPr>
-          <p:cNvSpPr txBox="1">
-            <a:spLocks/>
-          </p:cNvSpPr>
-          <p:nvPr/>
-        </p:nvSpPr>
-        <p:spPr>
-          <a:xfrm>
-            <a:off x="4424173" y="3429000"/>
-            <a:ext cx="4680520" cy="3449145"/>
-          </a:xfrm>
-          <a:prstGeom prst="rect">
-            <a:avLst/>
-          </a:prstGeom>
-          <a:ln>
-            <a:solidFill>
-              <a:schemeClr val="tx1"/>
-            </a:solidFill>
-          </a:ln>
-        </p:spPr>
-        <p:txBody>
-          <a:bodyPr vert="horz" lIns="91440" tIns="45720" rIns="91440" bIns="45720" rtlCol="0">
-            <a:noAutofit/>
-          </a:bodyPr>
-          <a:lstStyle>
-            <a:lvl1pPr marL="342900" indent="-342900" algn="l" defTabSz="914400" rtl="0" eaLnBrk="1" latinLnBrk="1" hangingPunct="1">
-              <a:spcBef>
-                <a:spcPct val="20000"/>
-              </a:spcBef>
-              <a:buFont typeface="Arial" pitchFamily="34" charset="0"/>
-              <a:buChar char="•"/>
-              <a:defRPr sz="3200" kern="1200">
-                <a:solidFill>
-                  <a:schemeClr val="tx1"/>
-                </a:solidFill>
-                <a:latin typeface="Calibri" pitchFamily="34" charset="0"/>
-                <a:ea typeface="+mn-ea"/>
-                <a:cs typeface="+mn-cs"/>
-              </a:defRPr>
-            </a:lvl1pPr>
-            <a:lvl2pPr marL="742950" indent="-285750" algn="l" defTabSz="914400" rtl="0" eaLnBrk="1" latinLnBrk="1" hangingPunct="1">
-              <a:spcBef>
-                <a:spcPct val="20000"/>
-              </a:spcBef>
-              <a:buFont typeface="Arial" pitchFamily="34" charset="0"/>
-              <a:buChar char="–"/>
-              <a:defRPr sz="2800" kern="1200">
-                <a:solidFill>
-                  <a:schemeClr val="tx1"/>
-                </a:solidFill>
-                <a:latin typeface="Calibri" pitchFamily="34" charset="0"/>
-                <a:ea typeface="+mn-ea"/>
-                <a:cs typeface="+mn-cs"/>
-              </a:defRPr>
-            </a:lvl2pPr>
-            <a:lvl3pPr marL="1143000" indent="-228600" algn="l" defTabSz="914400" rtl="0" eaLnBrk="1" latinLnBrk="1" hangingPunct="1">
-              <a:spcBef>
-                <a:spcPct val="20000"/>
-              </a:spcBef>
-              <a:buFont typeface="Arial" pitchFamily="34" charset="0"/>
-              <a:buChar char="•"/>
-              <a:defRPr sz="2400" kern="1200">
-                <a:solidFill>
-                  <a:schemeClr val="tx1"/>
-                </a:solidFill>
-                <a:latin typeface="Calibri" pitchFamily="34" charset="0"/>
-                <a:ea typeface="+mn-ea"/>
-                <a:cs typeface="+mn-cs"/>
-              </a:defRPr>
-            </a:lvl3pPr>
-            <a:lvl4pPr marL="1600200" indent="-228600" algn="l" defTabSz="914400" rtl="0" eaLnBrk="1" latinLnBrk="1" hangingPunct="1">
-              <a:spcBef>
-                <a:spcPct val="20000"/>
-              </a:spcBef>
-              <a:buFont typeface="Arial" pitchFamily="34" charset="0"/>
-              <a:buChar char="–"/>
-              <a:defRPr sz="2000" kern="1200">
-                <a:solidFill>
-                  <a:schemeClr val="tx1"/>
-                </a:solidFill>
-                <a:latin typeface="Calibri" pitchFamily="34" charset="0"/>
-                <a:ea typeface="+mn-ea"/>
-                <a:cs typeface="+mn-cs"/>
-              </a:defRPr>
-            </a:lvl4pPr>
-            <a:lvl5pPr marL="2057400" indent="-228600" algn="l" defTabSz="914400" rtl="0" eaLnBrk="1" latinLnBrk="1" hangingPunct="1">
-              <a:spcBef>
-                <a:spcPct val="20000"/>
-              </a:spcBef>
-              <a:buFont typeface="Arial" pitchFamily="34" charset="0"/>
-              <a:buChar char="»"/>
-              <a:defRPr sz="2000" kern="1200">
-                <a:solidFill>
-                  <a:schemeClr val="tx1"/>
-                </a:solidFill>
-                <a:latin typeface="Calibri" pitchFamily="34" charset="0"/>
-                <a:ea typeface="+mn-ea"/>
-                <a:cs typeface="+mn-cs"/>
-              </a:defRPr>
-            </a:lvl5pPr>
-            <a:lvl6pPr marL="2514600" indent="-228600" algn="l" defTabSz="914400" rtl="0" eaLnBrk="1" latinLnBrk="1" hangingPunct="1">
-              <a:spcBef>
-                <a:spcPct val="20000"/>
-              </a:spcBef>
-              <a:buFont typeface="Arial" pitchFamily="34" charset="0"/>
-              <a:buChar char="•"/>
-              <a:defRPr sz="2000" kern="1200">
-                <a:solidFill>
-                  <a:schemeClr val="tx1"/>
-                </a:solidFill>
-                <a:latin typeface="+mn-lt"/>
-                <a:ea typeface="+mn-ea"/>
-                <a:cs typeface="+mn-cs"/>
-              </a:defRPr>
-            </a:lvl6pPr>
-            <a:lvl7pPr marL="2971800" indent="-228600" algn="l" defTabSz="914400" rtl="0" eaLnBrk="1" latinLnBrk="1" hangingPunct="1">
-              <a:spcBef>
-                <a:spcPct val="20000"/>
-              </a:spcBef>
-              <a:buFont typeface="Arial" pitchFamily="34" charset="0"/>
-              <a:buChar char="•"/>
-              <a:defRPr sz="2000" kern="1200">
-                <a:solidFill>
-                  <a:schemeClr val="tx1"/>
-                </a:solidFill>
-                <a:latin typeface="+mn-lt"/>
-                <a:ea typeface="+mn-ea"/>
-                <a:cs typeface="+mn-cs"/>
-              </a:defRPr>
-            </a:lvl7pPr>
-            <a:lvl8pPr marL="3429000" indent="-228600" algn="l" defTabSz="914400" rtl="0" eaLnBrk="1" latinLnBrk="1" hangingPunct="1">
-              <a:spcBef>
-                <a:spcPct val="20000"/>
-              </a:spcBef>
-              <a:buFont typeface="Arial" pitchFamily="34" charset="0"/>
-              <a:buChar char="•"/>
-              <a:defRPr sz="2000" kern="1200">
-                <a:solidFill>
-                  <a:schemeClr val="tx1"/>
-                </a:solidFill>
-                <a:latin typeface="+mn-lt"/>
-                <a:ea typeface="+mn-ea"/>
-                <a:cs typeface="+mn-cs"/>
-              </a:defRPr>
-            </a:lvl8pPr>
-            <a:lvl9pPr marL="3886200" indent="-228600" algn="l" defTabSz="914400" rtl="0" eaLnBrk="1" latinLnBrk="1" hangingPunct="1">
-              <a:spcBef>
-                <a:spcPct val="20000"/>
-              </a:spcBef>
-              <a:buFont typeface="Arial" pitchFamily="34" charset="0"/>
-              <a:buChar char="•"/>
-              <a:defRPr sz="2000" kern="1200">
-                <a:solidFill>
-                  <a:schemeClr val="tx1"/>
-                </a:solidFill>
-                <a:latin typeface="+mn-lt"/>
-                <a:ea typeface="+mn-ea"/>
-                <a:cs typeface="+mn-cs"/>
-              </a:defRPr>
-            </a:lvl9pPr>
-          </a:lstStyle>
-          <a:p>
-            <a:pPr>
-              <a:lnSpc>
-                <a:spcPct val="60000"/>
-              </a:lnSpc>
-              <a:buFont typeface="Arial" pitchFamily="34" charset="0"/>
-              <a:buNone/>
-            </a:pPr>
-            <a:r>
-              <a:rPr lang="en-US" sz="1400"/>
-              <a:t>…$ </a:t>
-            </a:r>
-            <a:r>
-              <a:rPr lang="en-US" altLang="ko-KR" sz="1400" dirty="0" err="1">
-                <a:solidFill>
-                  <a:srgbClr val="FF0000"/>
-                </a:solidFill>
-              </a:rPr>
-              <a:t>crown</a:t>
-            </a:r>
-            <a:r>
-              <a:rPr lang="en-US" sz="1400" dirty="0" err="1">
-                <a:solidFill>
-                  <a:srgbClr val="FF0000"/>
-                </a:solidFill>
-              </a:rPr>
-              <a:t>_replay</a:t>
-            </a:r>
-            <a:r>
-              <a:rPr lang="en-US" sz="1400" dirty="0">
-                <a:solidFill>
-                  <a:srgbClr val="FF0000"/>
-                </a:solidFill>
-              </a:rPr>
-              <a:t> </a:t>
-            </a:r>
-            <a:r>
-              <a:rPr lang="en-US" sz="1400">
-                <a:solidFill>
-                  <a:srgbClr val="FF0000"/>
-                </a:solidFill>
-              </a:rPr>
-              <a:t>./triangle_</a:t>
-            </a:r>
-            <a:r>
-              <a:rPr lang="en-US" sz="1400" dirty="0" err="1">
-                <a:solidFill>
-                  <a:srgbClr val="FF0000"/>
-                </a:solidFill>
-              </a:rPr>
-              <a:t>replay</a:t>
-            </a:r>
-            <a:r>
-              <a:rPr lang="en-US" sz="1400" dirty="0">
-                <a:solidFill>
-                  <a:srgbClr val="FF0000"/>
-                </a:solidFill>
-              </a:rPr>
-              <a:t> -</a:t>
-            </a:r>
-            <a:r>
-              <a:rPr lang="en-US" sz="1400">
-                <a:solidFill>
-                  <a:srgbClr val="FF0000"/>
-                </a:solidFill>
-              </a:rPr>
-              <a:t>d tcs </a:t>
-            </a:r>
-            <a:r>
-              <a:rPr lang="en-US" sz="1400" dirty="0">
-                <a:solidFill>
-                  <a:srgbClr val="FF0000"/>
-                </a:solidFill>
-              </a:rPr>
-              <a:t>-s 5 -e 7  </a:t>
-            </a:r>
-          </a:p>
-          <a:p>
-            <a:pPr>
-              <a:lnSpc>
-                <a:spcPct val="60000"/>
-              </a:lnSpc>
-              <a:buNone/>
-            </a:pPr>
-            <a:r>
-              <a:rPr lang="en-US" sz="1400" dirty="0" err="1"/>
-              <a:t>a,b,c</a:t>
-            </a:r>
-            <a:r>
-              <a:rPr lang="en-US" sz="1400" dirty="0"/>
-              <a:t> = 1610612736,536870912,536870912</a:t>
-            </a:r>
-          </a:p>
-          <a:p>
-            <a:pPr>
-              <a:lnSpc>
-                <a:spcPct val="60000"/>
-              </a:lnSpc>
-              <a:buNone/>
-            </a:pPr>
-            <a:r>
-              <a:rPr lang="en-US" sz="1400" dirty="0"/>
-              <a:t>This triangle is not a triangle.</a:t>
-            </a:r>
-          </a:p>
-          <a:p>
-            <a:pPr>
-              <a:lnSpc>
-                <a:spcPct val="60000"/>
-              </a:lnSpc>
-              <a:buNone/>
-            </a:pPr>
-            <a:r>
-              <a:rPr lang="en-US" sz="1400" dirty="0"/>
-              <a:t>Iteration 5</a:t>
-            </a:r>
-          </a:p>
-          <a:p>
-            <a:pPr>
-              <a:lnSpc>
-                <a:spcPct val="60000"/>
-              </a:lnSpc>
-              <a:buNone/>
-            </a:pPr>
-            <a:r>
-              <a:rPr lang="en-US" sz="1400" dirty="0"/>
-              <a:t>-------------------------</a:t>
-            </a:r>
-          </a:p>
-          <a:p>
-            <a:pPr>
-              <a:lnSpc>
-                <a:spcPct val="60000"/>
-              </a:lnSpc>
-              <a:buNone/>
-            </a:pPr>
-            <a:r>
-              <a:rPr lang="en-US" sz="1400" dirty="0" err="1"/>
-              <a:t>a,b,c</a:t>
-            </a:r>
-            <a:r>
-              <a:rPr lang="en-US" sz="1400" dirty="0"/>
-              <a:t> = 1,2,2</a:t>
-            </a:r>
-          </a:p>
-          <a:p>
-            <a:pPr>
-              <a:lnSpc>
-                <a:spcPct val="60000"/>
-              </a:lnSpc>
-              <a:buNone/>
-            </a:pPr>
-            <a:r>
-              <a:rPr lang="en-US" sz="1400" dirty="0"/>
-              <a:t>This triangle is an </a:t>
-            </a:r>
-            <a:r>
-              <a:rPr lang="en-US" sz="1400" dirty="0" err="1"/>
-              <a:t>isoscele</a:t>
-            </a:r>
-            <a:r>
-              <a:rPr lang="en-US" sz="1400" dirty="0"/>
-              <a:t>.</a:t>
-            </a:r>
-          </a:p>
-          <a:p>
-            <a:pPr>
-              <a:lnSpc>
-                <a:spcPct val="60000"/>
-              </a:lnSpc>
-              <a:buNone/>
-            </a:pPr>
-            <a:r>
-              <a:rPr lang="en-US" sz="1400" dirty="0"/>
-              <a:t>Iteration 6</a:t>
-            </a:r>
-          </a:p>
-          <a:p>
-            <a:pPr>
-              <a:lnSpc>
-                <a:spcPct val="60000"/>
-              </a:lnSpc>
-              <a:buNone/>
-            </a:pPr>
-            <a:r>
-              <a:rPr lang="en-US" sz="1400" dirty="0"/>
-              <a:t>-------------------------</a:t>
-            </a:r>
-          </a:p>
-          <a:p>
-            <a:pPr>
-              <a:lnSpc>
-                <a:spcPct val="60000"/>
-              </a:lnSpc>
-              <a:buNone/>
-            </a:pPr>
-            <a:r>
-              <a:rPr lang="en-US" sz="1400" dirty="0" err="1"/>
-              <a:t>a,b,c</a:t>
-            </a:r>
-            <a:r>
-              <a:rPr lang="en-US" sz="1400" dirty="0"/>
-              <a:t> = 272629760,1346371584,809500672</a:t>
-            </a:r>
-          </a:p>
-          <a:p>
-            <a:pPr>
-              <a:lnSpc>
-                <a:spcPct val="60000"/>
-              </a:lnSpc>
-              <a:buNone/>
-            </a:pPr>
-            <a:r>
-              <a:rPr lang="en-US" sz="1400" dirty="0"/>
-              <a:t>This triangle is not a triangle.</a:t>
-            </a:r>
-          </a:p>
-          <a:p>
-            <a:pPr>
-              <a:lnSpc>
-                <a:spcPct val="60000"/>
-              </a:lnSpc>
-              <a:buNone/>
-            </a:pPr>
-            <a:r>
-              <a:rPr lang="en-US" sz="1400" dirty="0"/>
-              <a:t>Iteration 7</a:t>
-            </a:r>
-          </a:p>
-          <a:p>
-            <a:pPr>
-              <a:lnSpc>
-                <a:spcPct val="60000"/>
-              </a:lnSpc>
-              <a:buNone/>
-            </a:pPr>
-            <a:r>
-              <a:rPr lang="en-US" sz="1400" dirty="0"/>
-              <a:t>-------------------------</a:t>
-            </a:r>
-          </a:p>
-          <a:p>
-            <a:pPr>
-              <a:lnSpc>
-                <a:spcPct val="60000"/>
-              </a:lnSpc>
-              <a:buNone/>
-            </a:pPr>
-            <a:r>
-              <a:rPr lang="en-US" sz="1400" dirty="0"/>
-              <a:t>… $ </a:t>
-            </a:r>
-            <a:r>
-              <a:rPr lang="en-US" sz="1400" dirty="0" err="1">
-                <a:solidFill>
-                  <a:srgbClr val="FF0000"/>
-                </a:solidFill>
-              </a:rPr>
-              <a:t>gcov</a:t>
-            </a:r>
-            <a:r>
-              <a:rPr lang="en-US" sz="1400" dirty="0">
-                <a:solidFill>
-                  <a:srgbClr val="FF0000"/>
-                </a:solidFill>
-              </a:rPr>
-              <a:t> –b triangle-crown </a:t>
-            </a:r>
-          </a:p>
-          <a:p>
-            <a:pPr>
-              <a:lnSpc>
-                <a:spcPct val="60000"/>
-              </a:lnSpc>
-              <a:buNone/>
-            </a:pPr>
-            <a:r>
-              <a:rPr lang="en-US" sz="1400"/>
-              <a:t>File </a:t>
-            </a:r>
-            <a:r>
-              <a:rPr lang="en-US" sz="1400" dirty="0"/>
-              <a:t>'triangle-</a:t>
-            </a:r>
-            <a:r>
-              <a:rPr lang="en-US" sz="1400" dirty="0" err="1"/>
-              <a:t>crown.c</a:t>
-            </a:r>
-            <a:r>
-              <a:rPr lang="en-US" sz="1400" dirty="0"/>
-              <a:t>'</a:t>
-            </a:r>
-          </a:p>
-          <a:p>
-            <a:pPr>
-              <a:lnSpc>
-                <a:spcPct val="60000"/>
-              </a:lnSpc>
-              <a:buNone/>
-            </a:pPr>
-            <a:r>
-              <a:rPr lang="en-US" sz="1400" dirty="0"/>
-              <a:t>Lines executed:76.67% of 30</a:t>
-            </a:r>
-          </a:p>
-          <a:p>
-            <a:pPr>
-              <a:lnSpc>
-                <a:spcPct val="60000"/>
-              </a:lnSpc>
-              <a:buNone/>
-            </a:pPr>
-            <a:r>
-              <a:rPr lang="en-US" sz="1400" dirty="0"/>
-              <a:t>Branches executed:84.62% of 39</a:t>
-            </a:r>
-          </a:p>
-          <a:p>
-            <a:pPr>
-              <a:lnSpc>
-                <a:spcPct val="60000"/>
-              </a:lnSpc>
-              <a:buNone/>
-            </a:pPr>
-            <a:r>
-              <a:rPr lang="en-US" sz="1400" dirty="0"/>
-              <a:t>Taken at least once:53.85% of 39</a:t>
-            </a:r>
-          </a:p>
-          <a:p>
-            <a:pPr>
-              <a:lnSpc>
-                <a:spcPct val="60000"/>
-              </a:lnSpc>
-              <a:buNone/>
-            </a:pPr>
-            <a:r>
-              <a:rPr lang="en-US" sz="1400" dirty="0"/>
-              <a:t>Calls executed:50.00% of 10</a:t>
-            </a:r>
-          </a:p>
-          <a:p>
-            <a:pPr>
-              <a:lnSpc>
-                <a:spcPct val="60000"/>
-              </a:lnSpc>
-              <a:buNone/>
-            </a:pPr>
-            <a:r>
-              <a:rPr lang="en-US" sz="1400" dirty="0"/>
-              <a:t>Creating 'triangle-</a:t>
-            </a:r>
-            <a:r>
-              <a:rPr lang="en-US" sz="1400" dirty="0" err="1"/>
-              <a:t>crown.c.gcov</a:t>
-            </a:r>
-            <a:r>
-              <a:rPr lang="en-US" sz="1400" dirty="0"/>
-              <a:t>'</a:t>
+              <a:t> flag.</a:t>
             </a:r>
           </a:p>
         </p:txBody>
@@ -23507,7 +23359,7 @@
     </p:spTree>
     <p:extLst>
       <p:ext uri="{BB962C8B-B14F-4D97-AF65-F5344CB8AC3E}">
-        <p14:creationId xmlns:p14="http://schemas.microsoft.com/office/powerpoint/2010/main" val="1924458865"/>
+        <p14:creationId xmlns:p14="http://schemas.microsoft.com/office/powerpoint/2010/main" val="4231724472"/>
       </p:ext>
     </p:extLst>
   </p:cSld>

--- a/3-fuzz-concolic/lec32-crown_tutorial-v3.pptx
+++ b/3-fuzz-concolic/lec32-crown_tutorial-v3.pptx
@@ -3248,7 +3248,7 @@
               <a:pPr>
                 <a:defRPr/>
               </a:pPr>
-              <a:t>01:50:31</a:t>
+              <a:t>02:11:51</a:t>
             </a:fld>
             <a:endParaRPr lang="ko-KR" altLang="en-US" dirty="0"/>
           </a:p>
@@ -6655,7 +6655,7 @@
         <p:spPr>
           <a:xfrm>
             <a:off x="251520" y="20374"/>
-            <a:ext cx="4176464" cy="6817251"/>
+            <a:ext cx="4176464" cy="6793002"/>
           </a:xfrm>
           <a:prstGeom prst="rect">
             <a:avLst/>
@@ -6669,7 +6669,7 @@
         </p:spPr>
         <p:txBody>
           <a:bodyPr wrap="square">
-            <a:spAutoFit/>
+            <a:noAutofit/>
           </a:bodyPr>
           <a:lstStyle/>
           <a:p>
@@ -6864,6 +6864,24 @@
               </a:rPr>
             </a:br>
             <a:r>
+              <a:rPr lang="en-US" altLang="ko-KR" sz="1400">
+                <a:solidFill>
+                  <a:srgbClr val="859900"/>
+                </a:solidFill>
+                <a:latin typeface="Consolas" panose="020B0609020204030204" pitchFamily="49" charset="0"/>
+              </a:rPr>
+              <a:t>#define </a:t>
+            </a:r>
+            <a:r>
+              <a:rPr lang="en-US" altLang="ko-KR" sz="1400">
+                <a:solidFill>
+                  <a:srgbClr val="268BD2"/>
+                </a:solidFill>
+                <a:latin typeface="Consolas" panose="020B0609020204030204" pitchFamily="49" charset="0"/>
+              </a:rPr>
+              <a:t>CROWN </a:t>
+            </a:r>
+            <a:r>
               <a:rPr lang="en-US" altLang="ko-KR" sz="1400" b="0" i="1">
                 <a:solidFill>
                   <a:srgbClr val="93A1A1"/>
@@ -6871,7 +6889,7 @@
                 <a:effectLst/>
                 <a:latin typeface="Consolas" panose="020B0609020204030204" pitchFamily="49" charset="0"/>
               </a:rPr>
-              <a:t>#define CROWN</a:t>
+              <a:t>// to apply concolic test</a:t>
             </a:r>
             <a:endParaRPr lang="en-US" altLang="ko-KR" sz="1400" b="0">
               <a:solidFill>
@@ -7226,15 +7244,49 @@
                 <a:spcPct val="80000"/>
               </a:lnSpc>
             </a:pPr>
-            <a:br>
-              <a:rPr lang="en-US" altLang="ko-KR" sz="1400" b="0">
+            <a:r>
+              <a:rPr lang="en-US" altLang="ko-KR" sz="1400">
+                <a:solidFill>
+                  <a:srgbClr val="859900"/>
+                </a:solidFill>
+                <a:latin typeface="Consolas" panose="020B0609020204030204" pitchFamily="49" charset="0"/>
+              </a:rPr>
+              <a:t>#ifndef</a:t>
+            </a:r>
+            <a:r>
+              <a:rPr lang="ko-KR" altLang="en-US" sz="1400">
                 <a:solidFill>
                   <a:srgbClr val="657B83"/>
                 </a:solidFill>
-                <a:effectLst/>
-                <a:latin typeface="Consolas" panose="020B0609020204030204" pitchFamily="49" charset="0"/>
-              </a:rPr>
-            </a:br>
+                <a:latin typeface="Consolas" panose="020B0609020204030204" pitchFamily="49" charset="0"/>
+              </a:rPr>
+              <a:t> </a:t>
+            </a:r>
+            <a:r>
+              <a:rPr lang="en-US" altLang="ko-KR" sz="1400">
+                <a:solidFill>
+                  <a:srgbClr val="268BD2"/>
+                </a:solidFill>
+                <a:latin typeface="Consolas" panose="020B0609020204030204" pitchFamily="49" charset="0"/>
+              </a:rPr>
+              <a:t>CROWN_REPLAY </a:t>
+            </a:r>
+            <a:r>
+              <a:rPr lang="en-US" altLang="ko-KR" sz="1400">
+                <a:solidFill>
+                  <a:srgbClr val="657B83"/>
+                </a:solidFill>
+                <a:latin typeface="Consolas" panose="020B0609020204030204" pitchFamily="49" charset="0"/>
+              </a:rPr>
+              <a:t> </a:t>
+            </a:r>
+          </a:p>
+          <a:p>
+            <a:pPr>
+              <a:lnSpc>
+                <a:spcPct val="80000"/>
+              </a:lnSpc>
+            </a:pPr>
             <a:r>
               <a:rPr lang="en-US" altLang="ko-KR" sz="1400" b="0" i="1">
                 <a:solidFill>
@@ -7427,6 +7479,28 @@
               </a:lnSpc>
             </a:pPr>
             <a:r>
+              <a:rPr lang="en-US" altLang="ko-KR" sz="1400">
+                <a:solidFill>
+                  <a:srgbClr val="859900"/>
+                </a:solidFill>
+                <a:latin typeface="Consolas" panose="020B0609020204030204" pitchFamily="49" charset="0"/>
+              </a:rPr>
+              <a:t>#endif</a:t>
+            </a:r>
+            <a:endParaRPr lang="en-US" altLang="ko-KR" sz="1400">
+              <a:solidFill>
+                <a:srgbClr val="657B83"/>
+              </a:solidFill>
+              <a:latin typeface="Consolas" panose="020B0609020204030204" pitchFamily="49" charset="0"/>
+            </a:endParaRPr>
+          </a:p>
+          <a:p>
+            <a:pPr>
+              <a:lnSpc>
+                <a:spcPct val="80000"/>
+              </a:lnSpc>
+            </a:pPr>
+            <a:r>
               <a:rPr lang="en-US" altLang="ko-KR" sz="1400" b="0">
                 <a:solidFill>
                   <a:srgbClr val="657B83"/>
@@ -8504,24 +8578,7 @@
                 <a:effectLst/>
                 <a:latin typeface="Consolas" panose="020B0609020204030204" pitchFamily="49" charset="0"/>
               </a:rPr>
-              <a:t>;</a:t>
-            </a:r>
-          </a:p>
-          <a:p>
-            <a:pPr>
-              <a:lnSpc>
-                <a:spcPct val="80000"/>
-              </a:lnSpc>
-            </a:pPr>
-            <a:r>
-              <a:rPr lang="en-US" altLang="ko-KR" sz="1400" b="0">
-                <a:solidFill>
-                  <a:srgbClr val="657B83"/>
-                </a:solidFill>
-                <a:effectLst/>
-                <a:latin typeface="Consolas" panose="020B0609020204030204" pitchFamily="49" charset="0"/>
-              </a:rPr>
-              <a:t>    }</a:t>
+              <a:t>;    }</a:t>
             </a:r>
           </a:p>
           <a:p>
